--- a/Testing EMADAT Correctness.pptx
+++ b/Testing EMADAT Correctness.pptx
@@ -5,9 +5,17 @@
     <p:sldMasterId id="2147483648" r:id="rId1"/>
   </p:sldMasterIdLst>
   <p:sldIdLst>
-    <p:sldId id="258" r:id="rId2"/>
-    <p:sldId id="257" r:id="rId3"/>
-    <p:sldId id="256" r:id="rId4"/>
+    <p:sldId id="260" r:id="rId2"/>
+    <p:sldId id="258" r:id="rId3"/>
+    <p:sldId id="257" r:id="rId4"/>
+    <p:sldId id="262" r:id="rId5"/>
+    <p:sldId id="263" r:id="rId6"/>
+    <p:sldId id="261" r:id="rId7"/>
+    <p:sldId id="266" r:id="rId8"/>
+    <p:sldId id="264" r:id="rId9"/>
+    <p:sldId id="265" r:id="rId10"/>
+    <p:sldId id="268" r:id="rId11"/>
+    <p:sldId id="267" r:id="rId12"/>
   </p:sldIdLst>
   <p:sldSz cx="9144000" cy="6858000" type="screen4x3"/>
   <p:notesSz cx="6858000" cy="9144000"/>
@@ -290,7 +298,7 @@
           <a:p>
             <a:fld id="{EF2C10A8-91D1-43EB-B019-CFF77D905598}" type="datetimeFigureOut">
               <a:rPr lang="en-US" smtClean="0"/>
-              <a:t>5/1/2017</a:t>
+              <a:t>5/10/2017</a:t>
             </a:fld>
             <a:endParaRPr lang="en-US"/>
           </a:p>
@@ -460,7 +468,7 @@
           <a:p>
             <a:fld id="{EF2C10A8-91D1-43EB-B019-CFF77D905598}" type="datetimeFigureOut">
               <a:rPr lang="en-US" smtClean="0"/>
-              <a:t>5/1/2017</a:t>
+              <a:t>5/10/2017</a:t>
             </a:fld>
             <a:endParaRPr lang="en-US"/>
           </a:p>
@@ -640,7 +648,7 @@
           <a:p>
             <a:fld id="{EF2C10A8-91D1-43EB-B019-CFF77D905598}" type="datetimeFigureOut">
               <a:rPr lang="en-US" smtClean="0"/>
-              <a:t>5/1/2017</a:t>
+              <a:t>5/10/2017</a:t>
             </a:fld>
             <a:endParaRPr lang="en-US"/>
           </a:p>
@@ -810,7 +818,7 @@
           <a:p>
             <a:fld id="{EF2C10A8-91D1-43EB-B019-CFF77D905598}" type="datetimeFigureOut">
               <a:rPr lang="en-US" smtClean="0"/>
-              <a:t>5/1/2017</a:t>
+              <a:t>5/10/2017</a:t>
             </a:fld>
             <a:endParaRPr lang="en-US"/>
           </a:p>
@@ -1056,7 +1064,7 @@
           <a:p>
             <a:fld id="{EF2C10A8-91D1-43EB-B019-CFF77D905598}" type="datetimeFigureOut">
               <a:rPr lang="en-US" smtClean="0"/>
-              <a:t>5/1/2017</a:t>
+              <a:t>5/10/2017</a:t>
             </a:fld>
             <a:endParaRPr lang="en-US"/>
           </a:p>
@@ -1344,7 +1352,7 @@
           <a:p>
             <a:fld id="{EF2C10A8-91D1-43EB-B019-CFF77D905598}" type="datetimeFigureOut">
               <a:rPr lang="en-US" smtClean="0"/>
-              <a:t>5/1/2017</a:t>
+              <a:t>5/10/2017</a:t>
             </a:fld>
             <a:endParaRPr lang="en-US"/>
           </a:p>
@@ -1766,7 +1774,7 @@
           <a:p>
             <a:fld id="{EF2C10A8-91D1-43EB-B019-CFF77D905598}" type="datetimeFigureOut">
               <a:rPr lang="en-US" smtClean="0"/>
-              <a:t>5/1/2017</a:t>
+              <a:t>5/10/2017</a:t>
             </a:fld>
             <a:endParaRPr lang="en-US"/>
           </a:p>
@@ -1884,7 +1892,7 @@
           <a:p>
             <a:fld id="{EF2C10A8-91D1-43EB-B019-CFF77D905598}" type="datetimeFigureOut">
               <a:rPr lang="en-US" smtClean="0"/>
-              <a:t>5/1/2017</a:t>
+              <a:t>5/10/2017</a:t>
             </a:fld>
             <a:endParaRPr lang="en-US"/>
           </a:p>
@@ -1979,7 +1987,7 @@
           <a:p>
             <a:fld id="{EF2C10A8-91D1-43EB-B019-CFF77D905598}" type="datetimeFigureOut">
               <a:rPr lang="en-US" smtClean="0"/>
-              <a:t>5/1/2017</a:t>
+              <a:t>5/10/2017</a:t>
             </a:fld>
             <a:endParaRPr lang="en-US"/>
           </a:p>
@@ -2256,7 +2264,7 @@
           <a:p>
             <a:fld id="{EF2C10A8-91D1-43EB-B019-CFF77D905598}" type="datetimeFigureOut">
               <a:rPr lang="en-US" smtClean="0"/>
-              <a:t>5/1/2017</a:t>
+              <a:t>5/10/2017</a:t>
             </a:fld>
             <a:endParaRPr lang="en-US"/>
           </a:p>
@@ -2509,7 +2517,7 @@
           <a:p>
             <a:fld id="{EF2C10A8-91D1-43EB-B019-CFF77D905598}" type="datetimeFigureOut">
               <a:rPr lang="en-US" smtClean="0"/>
-              <a:t>5/1/2017</a:t>
+              <a:t>5/10/2017</a:t>
             </a:fld>
             <a:endParaRPr lang="en-US"/>
           </a:p>
@@ -2722,7 +2730,7 @@
           <a:p>
             <a:fld id="{EF2C10A8-91D1-43EB-B019-CFF77D905598}" type="datetimeFigureOut">
               <a:rPr lang="en-US" smtClean="0"/>
-              <a:t>5/1/2017</a:t>
+              <a:t>5/10/2017</a:t>
             </a:fld>
             <a:endParaRPr lang="en-US"/>
           </a:p>
@@ -3104,7 +3112,7 @@
             <a:spLocks noGrp="1"/>
           </p:cNvSpPr>
           <p:nvPr>
-            <p:ph type="title"/>
+            <p:ph type="ctrTitle"/>
           </p:nvPr>
         </p:nvSpPr>
         <p:spPr/>
@@ -3114,7 +3122,7 @@
           <a:p>
             <a:r>
               <a:rPr lang="en-US" dirty="0" smtClean="0"/>
-              <a:t>Testing EMADAT Correctness</a:t>
+              <a:t>EMDAT Code-Testing Project</a:t>
             </a:r>
             <a:endParaRPr lang="en-US" dirty="0"/>
           </a:p>
@@ -3122,37 +3130,22 @@
       </p:sp>
       <p:sp>
         <p:nvSpPr>
-          <p:cNvPr id="3" name="Content Placeholder 2"/>
-          <p:cNvSpPr>
-            <a:spLocks noGrp="1"/>
-          </p:cNvSpPr>
-          <p:nvPr>
-            <p:ph idx="1"/>
+          <p:cNvPr id="3" name="Subtitle 2"/>
+          <p:cNvSpPr>
+            <a:spLocks noGrp="1"/>
+          </p:cNvSpPr>
+          <p:nvPr>
+            <p:ph type="subTitle" idx="1"/>
           </p:nvPr>
         </p:nvSpPr>
         <p:spPr/>
         <p:txBody>
-          <a:bodyPr>
-            <a:normAutofit/>
-          </a:bodyPr>
+          <a:bodyPr/>
           <a:lstStyle/>
           <a:p>
             <a:r>
               <a:rPr lang="en-US" dirty="0" smtClean="0"/>
-              <a:t>The </a:t>
-            </a:r>
-            <a:r>
-              <a:rPr lang="en-US" dirty="0" smtClean="0"/>
-              <a:t>goal of this work is to evaluate the correctness of EMDAT in terms of the features that are generated.</a:t>
-            </a:r>
-          </a:p>
-          <a:p>
-            <a:endParaRPr lang="en-US" dirty="0"/>
-          </a:p>
-          <a:p>
-            <a:r>
-              <a:rPr lang="en-US" dirty="0" smtClean="0"/>
-              <a:t>*it should be noted that there are many possible configurations of EMDAT parameters, therefore it is unlikely that we can test every possible state.</a:t>
+              <a:t>May 8, 2017</a:t>
             </a:r>
             <a:endParaRPr lang="en-US" dirty="0"/>
           </a:p>
@@ -3161,13 +3154,237 @@
     </p:spTree>
     <p:extLst>
       <p:ext uri="{BB962C8B-B14F-4D97-AF65-F5344CB8AC3E}">
-        <p14:creationId xmlns:p14="http://schemas.microsoft.com/office/powerpoint/2010/main" val="2394135534"/>
+        <p14:creationId xmlns:p14="http://schemas.microsoft.com/office/powerpoint/2010/main" val="671675286"/>
       </p:ext>
     </p:extLst>
   </p:cSld>
   <p:clrMapOvr>
     <a:masterClrMapping/>
   </p:clrMapOvr>
+</p:sld>
+</file>
+
+<file path=ppt/slides/slide10.xml><?xml version="1.0" encoding="utf-8"?>
+<p:sld xmlns:a="http://schemas.openxmlformats.org/drawingml/2006/main" xmlns:r="http://schemas.openxmlformats.org/officeDocument/2006/relationships" xmlns:p="http://schemas.openxmlformats.org/presentationml/2006/main">
+  <p:cSld>
+    <p:spTree>
+      <p:nvGrpSpPr>
+        <p:cNvPr id="1" name=""/>
+        <p:cNvGrpSpPr/>
+        <p:nvPr/>
+      </p:nvGrpSpPr>
+      <p:grpSpPr>
+        <a:xfrm>
+          <a:off x="0" y="0"/>
+          <a:ext cx="0" cy="0"/>
+          <a:chOff x="0" y="0"/>
+          <a:chExt cx="0" cy="0"/>
+        </a:xfrm>
+      </p:grpSpPr>
+      <p:sp>
+        <p:nvSpPr>
+          <p:cNvPr id="2" name="Title 1"/>
+          <p:cNvSpPr>
+            <a:spLocks noGrp="1"/>
+          </p:cNvSpPr>
+          <p:nvPr>
+            <p:ph type="title"/>
+          </p:nvPr>
+        </p:nvSpPr>
+        <p:spPr/>
+        <p:txBody>
+          <a:bodyPr>
+            <a:normAutofit/>
+          </a:bodyPr>
+          <a:lstStyle/>
+          <a:p>
+            <a:r>
+              <a:rPr lang="en-US" dirty="0" err="1" smtClean="0"/>
+              <a:t>Emdat</a:t>
+            </a:r>
+            <a:r>
+              <a:rPr lang="en-US" smtClean="0"/>
+              <a:t> features</a:t>
+            </a:r>
+            <a:endParaRPr lang="en-US"/>
+          </a:p>
+        </p:txBody>
+      </p:sp>
+      <p:sp>
+        <p:nvSpPr>
+          <p:cNvPr id="3" name="Content Placeholder 2"/>
+          <p:cNvSpPr>
+            <a:spLocks noGrp="1"/>
+          </p:cNvSpPr>
+          <p:nvPr>
+            <p:ph idx="1"/>
+          </p:nvPr>
+        </p:nvSpPr>
+        <p:spPr/>
+        <p:txBody>
+          <a:bodyPr/>
+          <a:lstStyle/>
+          <a:p>
+            <a:r>
+              <a:rPr lang="en-US" dirty="0" smtClean="0"/>
+              <a:t>Length</a:t>
+            </a:r>
+          </a:p>
+          <a:p>
+            <a:r>
+              <a:rPr lang="en-US" dirty="0" err="1" smtClean="0"/>
+              <a:t>Sum_discarded</a:t>
+            </a:r>
+            <a:r>
+              <a:rPr lang="en-US" dirty="0" smtClean="0"/>
+              <a:t> (</a:t>
+            </a:r>
+            <a:r>
+              <a:rPr lang="en-US" dirty="0" err="1" smtClean="0"/>
+              <a:t>gaptimes</a:t>
+            </a:r>
+            <a:r>
+              <a:rPr lang="en-US" dirty="0" smtClean="0"/>
+              <a:t>)</a:t>
+            </a:r>
+          </a:p>
+          <a:p>
+            <a:r>
+              <a:rPr lang="en-US" dirty="0" err="1" smtClean="0"/>
+              <a:t>Num_discarded</a:t>
+            </a:r>
+            <a:r>
+              <a:rPr lang="en-US" dirty="0" smtClean="0"/>
+              <a:t> (gaps)</a:t>
+            </a:r>
+          </a:p>
+          <a:p>
+            <a:r>
+              <a:rPr lang="en-US" dirty="0" err="1" smtClean="0"/>
+              <a:t>Prop_discarded</a:t>
+            </a:r>
+            <a:endParaRPr lang="en-US" dirty="0" smtClean="0"/>
+          </a:p>
+          <a:p>
+            <a:r>
+              <a:rPr lang="en-US" dirty="0" err="1" smtClean="0"/>
+              <a:t>Num_blinks</a:t>
+            </a:r>
+            <a:endParaRPr lang="en-US" dirty="0" smtClean="0"/>
+          </a:p>
+          <a:p>
+            <a:r>
+              <a:rPr lang="en-US" dirty="0" err="1" smtClean="0"/>
+              <a:t>Blink_rate</a:t>
+            </a:r>
+            <a:endParaRPr lang="en-US" dirty="0" smtClean="0"/>
+          </a:p>
+          <a:p>
+            <a:endParaRPr lang="en-US" dirty="0"/>
+          </a:p>
+        </p:txBody>
+      </p:sp>
+    </p:spTree>
+    <p:extLst>
+      <p:ext uri="{BB962C8B-B14F-4D97-AF65-F5344CB8AC3E}">
+        <p14:creationId xmlns:p14="http://schemas.microsoft.com/office/powerpoint/2010/main" val="3549671970"/>
+      </p:ext>
+    </p:extLst>
+  </p:cSld>
+  <p:clrMapOvr>
+    <a:masterClrMapping/>
+  </p:clrMapOvr>
+</p:sld>
+</file>
+
+<file path=ppt/slides/slide11.xml><?xml version="1.0" encoding="utf-8"?>
+<p:sld xmlns:a="http://schemas.openxmlformats.org/drawingml/2006/main" xmlns:r="http://schemas.openxmlformats.org/officeDocument/2006/relationships" xmlns:p="http://schemas.openxmlformats.org/presentationml/2006/main">
+  <p:cSld>
+    <p:spTree>
+      <p:nvGrpSpPr>
+        <p:cNvPr id="1" name=""/>
+        <p:cNvGrpSpPr/>
+        <p:nvPr/>
+      </p:nvGrpSpPr>
+      <p:grpSpPr>
+        <a:xfrm>
+          <a:off x="0" y="0"/>
+          <a:ext cx="0" cy="0"/>
+          <a:chOff x="0" y="0"/>
+          <a:chExt cx="0" cy="0"/>
+        </a:xfrm>
+      </p:grpSpPr>
+      <p:pic>
+        <p:nvPicPr>
+          <p:cNvPr id="2050" name="Picture 2"/>
+          <p:cNvPicPr>
+            <a:picLocks noChangeAspect="1" noChangeArrowheads="1"/>
+          </p:cNvPicPr>
+          <p:nvPr/>
+        </p:nvPicPr>
+        <p:blipFill>
+          <a:blip r:embed="rId2">
+            <a:extLst>
+              <a:ext uri="{28A0092B-C50C-407E-A947-70E740481C1C}">
+                <a14:useLocalDpi xmlns:a14="http://schemas.microsoft.com/office/drawing/2010/main" val="0"/>
+              </a:ext>
+            </a:extLst>
+          </a:blip>
+          <a:srcRect/>
+          <a:stretch>
+            <a:fillRect/>
+          </a:stretch>
+        </p:blipFill>
+        <p:spPr bwMode="auto">
+          <a:xfrm>
+            <a:off x="685800" y="609600"/>
+            <a:ext cx="6934200" cy="5200650"/>
+          </a:xfrm>
+          <a:prstGeom prst="rect">
+            <a:avLst/>
+          </a:prstGeom>
+          <a:noFill/>
+          <a:ln>
+            <a:noFill/>
+          </a:ln>
+          <a:extLst>
+            <a:ext uri="{909E8E84-426E-40DD-AFC4-6F175D3DCCD1}">
+              <a14:hiddenFill xmlns:a14="http://schemas.microsoft.com/office/drawing/2010/main">
+                <a:solidFill>
+                  <a:schemeClr val="accent1"/>
+                </a:solidFill>
+              </a14:hiddenFill>
+            </a:ext>
+            <a:ext uri="{91240B29-F687-4F45-9708-019B960494DF}">
+              <a14:hiddenLine xmlns:a14="http://schemas.microsoft.com/office/drawing/2010/main" w="9525">
+                <a:solidFill>
+                  <a:schemeClr val="tx1"/>
+                </a:solidFill>
+                <a:miter lim="800000"/>
+                <a:headEnd/>
+                <a:tailEnd/>
+              </a14:hiddenLine>
+            </a:ext>
+          </a:extLst>
+        </p:spPr>
+      </p:pic>
+    </p:spTree>
+    <p:extLst>
+      <p:ext uri="{BB962C8B-B14F-4D97-AF65-F5344CB8AC3E}">
+        <p14:creationId xmlns:p14="http://schemas.microsoft.com/office/powerpoint/2010/main" val="3653483982"/>
+      </p:ext>
+    </p:extLst>
+  </p:cSld>
+  <p:clrMapOvr>
+    <a:masterClrMapping/>
+  </p:clrMapOvr>
+  <p:timing>
+    <p:tnLst>
+      <p:par>
+        <p:cTn id="1" dur="indefinite" restart="never" nodeType="tmRoot"/>
+      </p:par>
+    </p:tnLst>
+  </p:timing>
 </p:sld>
 </file>
 
@@ -3205,7 +3422,7 @@
           <a:p>
             <a:r>
               <a:rPr lang="en-US" dirty="0" smtClean="0"/>
-              <a:t>Plan of Action</a:t>
+              <a:t>Testing EMADAT Correctness</a:t>
             </a:r>
             <a:endParaRPr lang="en-US" dirty="0"/>
           </a:p>
@@ -3221,48 +3438,59 @@
             <p:ph idx="1"/>
           </p:nvPr>
         </p:nvSpPr>
-        <p:spPr/>
-        <p:txBody>
-          <a:bodyPr/>
+        <p:spPr>
+          <a:xfrm>
+            <a:off x="457200" y="1600200"/>
+            <a:ext cx="8229600" cy="4953000"/>
+          </a:xfrm>
+        </p:spPr>
+        <p:txBody>
+          <a:bodyPr>
+            <a:normAutofit lnSpcReduction="10000"/>
+          </a:bodyPr>
           <a:lstStyle/>
           <a:p>
             <a:r>
               <a:rPr lang="en-US" dirty="0" smtClean="0"/>
-              <a:t>Currently, EMDAT can accept as input export files from either SMI or </a:t>
-            </a:r>
-            <a:r>
-              <a:rPr lang="en-US" dirty="0" err="1" smtClean="0"/>
-              <a:t>Tobii</a:t>
-            </a:r>
+              <a:t>The goal of this work is to evaluate the correctness of EMDAT to ensure that all of the features it generates are correct.</a:t>
+            </a:r>
+          </a:p>
+          <a:p>
             <a:r>
               <a:rPr lang="en-US" dirty="0" smtClean="0"/>
-              <a:t>, therefore each source has to be tested separately</a:t>
-            </a:r>
+              <a:t>The testing is divided into two steps:</a:t>
+            </a:r>
+          </a:p>
+          <a:p>
+            <a:pPr marL="914400" lvl="1" indent="-514350"/>
             <a:r>
               <a:rPr lang="en-US" dirty="0" smtClean="0"/>
-              <a:t>.</a:t>
-            </a:r>
-          </a:p>
-          <a:p>
+              <a:t>STEP1: Testing EMDAT Internal Data, to ensure that data is being parsed and stored correctly</a:t>
+            </a:r>
+          </a:p>
+          <a:p>
+            <a:pPr marL="914400" lvl="1" indent="-514350"/>
             <a:r>
               <a:rPr lang="en-US" dirty="0" smtClean="0"/>
-              <a:t>For now, we will look at </a:t>
-            </a:r>
-            <a:r>
-              <a:rPr lang="en-US" dirty="0" err="1" smtClean="0"/>
-              <a:t>Tobii</a:t>
-            </a:r>
-            <a:r>
-              <a:rPr lang="en-US" smtClean="0"/>
-              <a:t> export</a:t>
-            </a:r>
+              <a:t>STEP2: Testing EMDAT Exported Data, to ensure eye tracking features are generated correctly</a:t>
+            </a:r>
+          </a:p>
+          <a:p>
+            <a:pPr marL="914400" lvl="1" indent="-514350"/>
+            <a:r>
+              <a:rPr lang="en-US" dirty="0" smtClean="0"/>
+              <a:t>For both tests, we are using data from 3 participants (P16, P17, P18), and default EMDAT settings</a:t>
+            </a:r>
+          </a:p>
+          <a:p>
+            <a:endParaRPr lang="en-US" dirty="0"/>
           </a:p>
         </p:txBody>
       </p:sp>
     </p:spTree>
     <p:extLst>
       <p:ext uri="{BB962C8B-B14F-4D97-AF65-F5344CB8AC3E}">
-        <p14:creationId xmlns:p14="http://schemas.microsoft.com/office/powerpoint/2010/main" val="3379355166"/>
+        <p14:creationId xmlns:p14="http://schemas.microsoft.com/office/powerpoint/2010/main" val="2394135534"/>
       </p:ext>
     </p:extLst>
   </p:cSld>
@@ -3291,14 +3519,855 @@
       </p:grpSpPr>
       <p:sp>
         <p:nvSpPr>
-          <p:cNvPr id="7" name="TextBox 6"/>
+          <p:cNvPr id="2" name="Title 1"/>
+          <p:cNvSpPr>
+            <a:spLocks noGrp="1"/>
+          </p:cNvSpPr>
+          <p:nvPr>
+            <p:ph type="title"/>
+          </p:nvPr>
+        </p:nvSpPr>
+        <p:spPr/>
+        <p:txBody>
+          <a:bodyPr/>
+          <a:lstStyle/>
+          <a:p>
+            <a:r>
+              <a:rPr lang="en-US" dirty="0" smtClean="0"/>
+              <a:t>Previous Work</a:t>
+            </a:r>
+            <a:endParaRPr lang="en-US" dirty="0"/>
+          </a:p>
+        </p:txBody>
+      </p:sp>
+      <p:sp>
+        <p:nvSpPr>
+          <p:cNvPr id="3" name="Content Placeholder 2"/>
+          <p:cNvSpPr>
+            <a:spLocks noGrp="1"/>
+          </p:cNvSpPr>
+          <p:nvPr>
+            <p:ph idx="1"/>
+          </p:nvPr>
+        </p:nvSpPr>
+        <p:spPr>
+          <a:xfrm>
+            <a:off x="457200" y="1219200"/>
+            <a:ext cx="8229600" cy="4525963"/>
+          </a:xfrm>
+        </p:spPr>
+        <p:txBody>
+          <a:bodyPr/>
+          <a:lstStyle/>
+          <a:p>
+            <a:r>
+              <a:rPr lang="en-US" dirty="0" smtClean="0"/>
+              <a:t>Previously, Dereck completed testing </a:t>
+            </a:r>
+            <a:r>
+              <a:rPr lang="en-US" b="1" dirty="0" smtClean="0"/>
+              <a:t>STEP1</a:t>
+            </a:r>
+            <a:r>
+              <a:rPr lang="en-US" dirty="0" smtClean="0"/>
+              <a:t>.</a:t>
+            </a:r>
+          </a:p>
+          <a:p>
+            <a:r>
+              <a:rPr lang="en-US" dirty="0" smtClean="0"/>
+              <a:t>Using R, Dereck wrote testing code to verify that eye tracking data is being parsed into EMDAT correctly.</a:t>
+            </a:r>
+          </a:p>
+          <a:p>
+            <a:r>
+              <a:rPr lang="en-US" dirty="0" smtClean="0"/>
+              <a:t>Test code</a:t>
+            </a:r>
+            <a:r>
+              <a:rPr lang="en-US" dirty="0"/>
+              <a:t>: </a:t>
+            </a:r>
+            <a:r>
+              <a:rPr lang="en-US" dirty="0" smtClean="0"/>
+              <a:t>EMDAT_part1Test.R</a:t>
+            </a:r>
+          </a:p>
+          <a:p>
+            <a:r>
+              <a:rPr lang="en-US" dirty="0" smtClean="0"/>
+              <a:t>Complete set of Features Tested:</a:t>
+            </a:r>
+            <a:endParaRPr lang="en-US" dirty="0"/>
+          </a:p>
+        </p:txBody>
+      </p:sp>
+      <p:sp>
+        <p:nvSpPr>
+          <p:cNvPr id="4" name="Rectangle 3"/>
+          <p:cNvSpPr/>
+          <p:nvPr/>
+        </p:nvSpPr>
+        <p:spPr>
+          <a:xfrm>
+            <a:off x="609600" y="5156537"/>
+            <a:ext cx="2514600" cy="1015663"/>
+          </a:xfrm>
+          <a:prstGeom prst="rect">
+            <a:avLst/>
+          </a:prstGeom>
+        </p:spPr>
+        <p:txBody>
+          <a:bodyPr wrap="square">
+            <a:spAutoFit/>
+          </a:bodyPr>
+          <a:lstStyle/>
+          <a:p>
+            <a:r>
+              <a:rPr lang="en-US" sz="1200" dirty="0">
+                <a:solidFill>
+                  <a:srgbClr val="00B050"/>
+                </a:solidFill>
+              </a:rPr>
+              <a:t>#  </a:t>
+            </a:r>
+            <a:r>
+              <a:rPr lang="en-US" sz="1200" dirty="0" err="1">
+                <a:solidFill>
+                  <a:srgbClr val="00B050"/>
+                </a:solidFill>
+              </a:rPr>
+              <a:t>fixationindex</a:t>
+            </a:r>
+            <a:endParaRPr lang="en-US" sz="1200" dirty="0">
+              <a:solidFill>
+                <a:srgbClr val="00B050"/>
+              </a:solidFill>
+            </a:endParaRPr>
+          </a:p>
+          <a:p>
+            <a:r>
+              <a:rPr lang="en-US" sz="1200" dirty="0">
+                <a:solidFill>
+                  <a:srgbClr val="00B050"/>
+                </a:solidFill>
+              </a:rPr>
+              <a:t>#  timestamp</a:t>
+            </a:r>
+          </a:p>
+          <a:p>
+            <a:r>
+              <a:rPr lang="en-US" sz="1200" dirty="0">
+                <a:solidFill>
+                  <a:srgbClr val="00B050"/>
+                </a:solidFill>
+              </a:rPr>
+              <a:t>#  </a:t>
+            </a:r>
+            <a:r>
+              <a:rPr lang="en-US" sz="1200" dirty="0" err="1">
+                <a:solidFill>
+                  <a:srgbClr val="00B050"/>
+                </a:solidFill>
+              </a:rPr>
+              <a:t>fixationduration</a:t>
+            </a:r>
+            <a:endParaRPr lang="en-US" sz="1200" dirty="0">
+              <a:solidFill>
+                <a:srgbClr val="00B050"/>
+              </a:solidFill>
+            </a:endParaRPr>
+          </a:p>
+          <a:p>
+            <a:r>
+              <a:rPr lang="en-US" sz="1200" dirty="0">
+                <a:solidFill>
+                  <a:srgbClr val="00B050"/>
+                </a:solidFill>
+              </a:rPr>
+              <a:t>#  </a:t>
+            </a:r>
+            <a:r>
+              <a:rPr lang="en-US" sz="1200" dirty="0" err="1">
+                <a:solidFill>
+                  <a:srgbClr val="00B050"/>
+                </a:solidFill>
+              </a:rPr>
+              <a:t>mappedfixationpointx</a:t>
+            </a:r>
+            <a:endParaRPr lang="en-US" sz="1200" dirty="0">
+              <a:solidFill>
+                <a:srgbClr val="00B050"/>
+              </a:solidFill>
+            </a:endParaRPr>
+          </a:p>
+          <a:p>
+            <a:r>
+              <a:rPr lang="en-US" sz="1200" dirty="0">
+                <a:solidFill>
+                  <a:srgbClr val="00B050"/>
+                </a:solidFill>
+              </a:rPr>
+              <a:t>#  </a:t>
+            </a:r>
+            <a:r>
+              <a:rPr lang="en-US" sz="1200" dirty="0" err="1">
+                <a:solidFill>
+                  <a:srgbClr val="00B050"/>
+                </a:solidFill>
+              </a:rPr>
+              <a:t>mappedfixationpointy</a:t>
+            </a:r>
+            <a:endParaRPr lang="en-US" sz="1200" dirty="0">
+              <a:solidFill>
+                <a:srgbClr val="00B050"/>
+              </a:solidFill>
+            </a:endParaRPr>
+          </a:p>
+        </p:txBody>
+      </p:sp>
+      <p:sp>
+        <p:nvSpPr>
+          <p:cNvPr id="5" name="Rectangle 4"/>
+          <p:cNvSpPr/>
+          <p:nvPr/>
+        </p:nvSpPr>
+        <p:spPr>
+          <a:xfrm>
+            <a:off x="2667000" y="4734342"/>
+            <a:ext cx="2971800" cy="2123658"/>
+          </a:xfrm>
+          <a:prstGeom prst="rect">
+            <a:avLst/>
+          </a:prstGeom>
+        </p:spPr>
+        <p:txBody>
+          <a:bodyPr wrap="square">
+            <a:spAutoFit/>
+          </a:bodyPr>
+          <a:lstStyle/>
+          <a:p>
+            <a:r>
+              <a:rPr lang="en-US" sz="1200" dirty="0">
+                <a:solidFill>
+                  <a:srgbClr val="00B050"/>
+                </a:solidFill>
+              </a:rPr>
+              <a:t>#  </a:t>
+            </a:r>
+            <a:r>
+              <a:rPr lang="en-US" sz="1200" dirty="0" err="1">
+                <a:solidFill>
+                  <a:srgbClr val="00B050"/>
+                </a:solidFill>
+              </a:rPr>
+              <a:t>saccadeindex</a:t>
+            </a:r>
+            <a:endParaRPr lang="en-US" sz="1200" dirty="0">
+              <a:solidFill>
+                <a:srgbClr val="00B050"/>
+              </a:solidFill>
+            </a:endParaRPr>
+          </a:p>
+          <a:p>
+            <a:r>
+              <a:rPr lang="en-US" sz="1200" dirty="0">
+                <a:solidFill>
+                  <a:srgbClr val="00B050"/>
+                </a:solidFill>
+              </a:rPr>
+              <a:t>#  timestamp  </a:t>
+            </a:r>
+          </a:p>
+          <a:p>
+            <a:r>
+              <a:rPr lang="en-US" sz="1200" dirty="0">
+                <a:solidFill>
+                  <a:srgbClr val="00B050"/>
+                </a:solidFill>
+              </a:rPr>
+              <a:t>#  </a:t>
+            </a:r>
+            <a:r>
+              <a:rPr lang="en-US" sz="1200" dirty="0" err="1">
+                <a:solidFill>
+                  <a:srgbClr val="00B050"/>
+                </a:solidFill>
+              </a:rPr>
+              <a:t>saccadeduration</a:t>
+            </a:r>
+            <a:r>
+              <a:rPr lang="en-US" sz="1200" dirty="0">
+                <a:solidFill>
+                  <a:srgbClr val="00B050"/>
+                </a:solidFill>
+              </a:rPr>
+              <a:t>	</a:t>
+            </a:r>
+          </a:p>
+          <a:p>
+            <a:r>
+              <a:rPr lang="en-US" sz="1200" dirty="0">
+                <a:solidFill>
+                  <a:srgbClr val="00B050"/>
+                </a:solidFill>
+              </a:rPr>
+              <a:t>#  </a:t>
+            </a:r>
+            <a:r>
+              <a:rPr lang="en-US" sz="1200" dirty="0" err="1">
+                <a:solidFill>
+                  <a:srgbClr val="00B050"/>
+                </a:solidFill>
+              </a:rPr>
+              <a:t>saccadedistance</a:t>
+            </a:r>
+            <a:r>
+              <a:rPr lang="en-US" sz="1200" dirty="0">
+                <a:solidFill>
+                  <a:srgbClr val="00B050"/>
+                </a:solidFill>
+              </a:rPr>
+              <a:t>	</a:t>
+            </a:r>
+          </a:p>
+          <a:p>
+            <a:r>
+              <a:rPr lang="en-US" sz="1200" dirty="0">
+                <a:solidFill>
+                  <a:srgbClr val="00B050"/>
+                </a:solidFill>
+              </a:rPr>
+              <a:t>#  </a:t>
+            </a:r>
+            <a:r>
+              <a:rPr lang="en-US" sz="1200" dirty="0" err="1">
+                <a:solidFill>
+                  <a:srgbClr val="00B050"/>
+                </a:solidFill>
+              </a:rPr>
+              <a:t>saccadespeed</a:t>
+            </a:r>
+            <a:r>
+              <a:rPr lang="en-US" sz="1200" dirty="0">
+                <a:solidFill>
+                  <a:srgbClr val="00B050"/>
+                </a:solidFill>
+              </a:rPr>
+              <a:t>	</a:t>
+            </a:r>
+          </a:p>
+          <a:p>
+            <a:r>
+              <a:rPr lang="en-US" sz="1200" dirty="0">
+                <a:solidFill>
+                  <a:srgbClr val="00B050"/>
+                </a:solidFill>
+              </a:rPr>
+              <a:t>#  </a:t>
+            </a:r>
+            <a:r>
+              <a:rPr lang="en-US" sz="1200" dirty="0" err="1">
+                <a:solidFill>
+                  <a:srgbClr val="00B050"/>
+                </a:solidFill>
+              </a:rPr>
+              <a:t>saccadeacceleration</a:t>
+            </a:r>
+            <a:r>
+              <a:rPr lang="en-US" sz="1200" dirty="0">
+                <a:solidFill>
+                  <a:srgbClr val="00B050"/>
+                </a:solidFill>
+              </a:rPr>
+              <a:t>	</a:t>
+            </a:r>
+          </a:p>
+          <a:p>
+            <a:r>
+              <a:rPr lang="en-US" sz="1200" dirty="0">
+                <a:solidFill>
+                  <a:srgbClr val="00B050"/>
+                </a:solidFill>
+              </a:rPr>
+              <a:t>#  </a:t>
+            </a:r>
+            <a:r>
+              <a:rPr lang="en-US" sz="1200" dirty="0" err="1">
+                <a:solidFill>
+                  <a:srgbClr val="00B050"/>
+                </a:solidFill>
+              </a:rPr>
+              <a:t>saccadestartpointx</a:t>
+            </a:r>
+            <a:r>
+              <a:rPr lang="en-US" sz="1200" dirty="0">
+                <a:solidFill>
+                  <a:srgbClr val="00B050"/>
+                </a:solidFill>
+              </a:rPr>
+              <a:t>	</a:t>
+            </a:r>
+          </a:p>
+          <a:p>
+            <a:r>
+              <a:rPr lang="en-US" sz="1200" dirty="0">
+                <a:solidFill>
+                  <a:srgbClr val="00B050"/>
+                </a:solidFill>
+              </a:rPr>
+              <a:t>#  </a:t>
+            </a:r>
+            <a:r>
+              <a:rPr lang="en-US" sz="1200" dirty="0" err="1">
+                <a:solidFill>
+                  <a:srgbClr val="00B050"/>
+                </a:solidFill>
+              </a:rPr>
+              <a:t>saccadestartpointy</a:t>
+            </a:r>
+            <a:r>
+              <a:rPr lang="en-US" sz="1200" dirty="0">
+                <a:solidFill>
+                  <a:srgbClr val="00B050"/>
+                </a:solidFill>
+              </a:rPr>
+              <a:t>	</a:t>
+            </a:r>
+          </a:p>
+          <a:p>
+            <a:r>
+              <a:rPr lang="en-US" sz="1200" dirty="0">
+                <a:solidFill>
+                  <a:srgbClr val="00B050"/>
+                </a:solidFill>
+              </a:rPr>
+              <a:t>#  </a:t>
+            </a:r>
+            <a:r>
+              <a:rPr lang="en-US" sz="1200" dirty="0" err="1">
+                <a:solidFill>
+                  <a:srgbClr val="00B050"/>
+                </a:solidFill>
+              </a:rPr>
+              <a:t>saccadeendpointx</a:t>
+            </a:r>
+            <a:r>
+              <a:rPr lang="en-US" sz="1200" dirty="0">
+                <a:solidFill>
+                  <a:srgbClr val="00B050"/>
+                </a:solidFill>
+              </a:rPr>
+              <a:t>	</a:t>
+            </a:r>
+          </a:p>
+          <a:p>
+            <a:r>
+              <a:rPr lang="en-US" sz="1200" dirty="0">
+                <a:solidFill>
+                  <a:srgbClr val="00B050"/>
+                </a:solidFill>
+              </a:rPr>
+              <a:t>#  </a:t>
+            </a:r>
+            <a:r>
+              <a:rPr lang="en-US" sz="1200" dirty="0" err="1">
+                <a:solidFill>
+                  <a:srgbClr val="00B050"/>
+                </a:solidFill>
+              </a:rPr>
+              <a:t>saccadeendpointy</a:t>
+            </a:r>
+            <a:r>
+              <a:rPr lang="en-US" sz="1200" dirty="0">
+                <a:solidFill>
+                  <a:srgbClr val="00B050"/>
+                </a:solidFill>
+              </a:rPr>
+              <a:t>	</a:t>
+            </a:r>
+          </a:p>
+          <a:p>
+            <a:r>
+              <a:rPr lang="en-US" sz="1200" dirty="0">
+                <a:solidFill>
+                  <a:srgbClr val="00B050"/>
+                </a:solidFill>
+              </a:rPr>
+              <a:t>#  </a:t>
+            </a:r>
+            <a:r>
+              <a:rPr lang="en-US" sz="1200" dirty="0" err="1">
+                <a:solidFill>
+                  <a:srgbClr val="00B050"/>
+                </a:solidFill>
+              </a:rPr>
+              <a:t>saccadequality</a:t>
+            </a:r>
+            <a:endParaRPr lang="en-US" sz="1200" dirty="0">
+              <a:solidFill>
+                <a:srgbClr val="00B050"/>
+              </a:solidFill>
+            </a:endParaRPr>
+          </a:p>
+        </p:txBody>
+      </p:sp>
+      <p:sp>
+        <p:nvSpPr>
+          <p:cNvPr id="6" name="Rectangle 5"/>
+          <p:cNvSpPr/>
+          <p:nvPr/>
+        </p:nvSpPr>
+        <p:spPr>
+          <a:xfrm>
+            <a:off x="4876800" y="4950069"/>
+            <a:ext cx="1295400" cy="1569660"/>
+          </a:xfrm>
+          <a:prstGeom prst="rect">
+            <a:avLst/>
+          </a:prstGeom>
+        </p:spPr>
+        <p:txBody>
+          <a:bodyPr wrap="square">
+            <a:spAutoFit/>
+          </a:bodyPr>
+          <a:lstStyle/>
+          <a:p>
+            <a:r>
+              <a:rPr lang="en-US" sz="1200" dirty="0">
+                <a:solidFill>
+                  <a:srgbClr val="00B050"/>
+                </a:solidFill>
+              </a:rPr>
+              <a:t># timestamp</a:t>
+            </a:r>
+          </a:p>
+          <a:p>
+            <a:r>
+              <a:rPr lang="en-US" sz="1200" dirty="0">
+                <a:solidFill>
+                  <a:srgbClr val="00B050"/>
+                </a:solidFill>
+              </a:rPr>
+              <a:t># event</a:t>
+            </a:r>
+          </a:p>
+          <a:p>
+            <a:r>
+              <a:rPr lang="en-US" sz="1200" dirty="0">
+                <a:solidFill>
+                  <a:srgbClr val="00B050"/>
+                </a:solidFill>
+              </a:rPr>
+              <a:t># </a:t>
+            </a:r>
+            <a:r>
+              <a:rPr lang="en-US" sz="1200" dirty="0" err="1">
+                <a:solidFill>
+                  <a:srgbClr val="00B050"/>
+                </a:solidFill>
+              </a:rPr>
+              <a:t>event_key</a:t>
+            </a:r>
+            <a:endParaRPr lang="en-US" sz="1200" dirty="0">
+              <a:solidFill>
+                <a:srgbClr val="00B050"/>
+              </a:solidFill>
+            </a:endParaRPr>
+          </a:p>
+          <a:p>
+            <a:r>
+              <a:rPr lang="en-US" sz="1200" dirty="0">
+                <a:solidFill>
+                  <a:srgbClr val="00B050"/>
+                </a:solidFill>
+              </a:rPr>
+              <a:t># </a:t>
+            </a:r>
+            <a:r>
+              <a:rPr lang="en-US" sz="1200" dirty="0" err="1">
+                <a:solidFill>
+                  <a:srgbClr val="00B050"/>
+                </a:solidFill>
+              </a:rPr>
+              <a:t>x_coord</a:t>
+            </a:r>
+            <a:endParaRPr lang="en-US" sz="1200" dirty="0">
+              <a:solidFill>
+                <a:srgbClr val="00B050"/>
+              </a:solidFill>
+            </a:endParaRPr>
+          </a:p>
+          <a:p>
+            <a:r>
+              <a:rPr lang="en-US" sz="1200" dirty="0">
+                <a:solidFill>
+                  <a:srgbClr val="00B050"/>
+                </a:solidFill>
+              </a:rPr>
+              <a:t># </a:t>
+            </a:r>
+            <a:r>
+              <a:rPr lang="en-US" sz="1200" dirty="0" err="1">
+                <a:solidFill>
+                  <a:srgbClr val="00B050"/>
+                </a:solidFill>
+              </a:rPr>
+              <a:t>y_coord</a:t>
+            </a:r>
+            <a:endParaRPr lang="en-US" sz="1200" dirty="0">
+              <a:solidFill>
+                <a:srgbClr val="00B050"/>
+              </a:solidFill>
+            </a:endParaRPr>
+          </a:p>
+          <a:p>
+            <a:r>
+              <a:rPr lang="en-US" sz="1200" dirty="0">
+                <a:solidFill>
+                  <a:srgbClr val="00B050"/>
+                </a:solidFill>
+              </a:rPr>
+              <a:t># </a:t>
+            </a:r>
+            <a:r>
+              <a:rPr lang="en-US" sz="1200" dirty="0" err="1">
+                <a:solidFill>
+                  <a:srgbClr val="00B050"/>
+                </a:solidFill>
+              </a:rPr>
+              <a:t>key_code</a:t>
+            </a:r>
+            <a:endParaRPr lang="en-US" sz="1200" dirty="0">
+              <a:solidFill>
+                <a:srgbClr val="00B050"/>
+              </a:solidFill>
+            </a:endParaRPr>
+          </a:p>
+          <a:p>
+            <a:r>
+              <a:rPr lang="en-US" sz="1200" dirty="0">
+                <a:solidFill>
+                  <a:srgbClr val="00B050"/>
+                </a:solidFill>
+              </a:rPr>
+              <a:t># </a:t>
+            </a:r>
+            <a:r>
+              <a:rPr lang="en-US" sz="1200" dirty="0" err="1">
+                <a:solidFill>
+                  <a:srgbClr val="00B050"/>
+                </a:solidFill>
+              </a:rPr>
+              <a:t>key_name</a:t>
+            </a:r>
+            <a:endParaRPr lang="en-US" sz="1200" dirty="0">
+              <a:solidFill>
+                <a:srgbClr val="00B050"/>
+              </a:solidFill>
+            </a:endParaRPr>
+          </a:p>
+          <a:p>
+            <a:r>
+              <a:rPr lang="en-US" sz="1200" dirty="0">
+                <a:solidFill>
+                  <a:srgbClr val="00B050"/>
+                </a:solidFill>
+              </a:rPr>
+              <a:t># description</a:t>
+            </a:r>
+          </a:p>
+        </p:txBody>
+      </p:sp>
+      <p:sp>
+        <p:nvSpPr>
+          <p:cNvPr id="7" name="Rectangle 6"/>
+          <p:cNvSpPr/>
+          <p:nvPr/>
+        </p:nvSpPr>
+        <p:spPr>
+          <a:xfrm>
+            <a:off x="6477000" y="4953000"/>
+            <a:ext cx="1981200" cy="1384995"/>
+          </a:xfrm>
+          <a:prstGeom prst="rect">
+            <a:avLst/>
+          </a:prstGeom>
+        </p:spPr>
+        <p:txBody>
+          <a:bodyPr wrap="square">
+            <a:spAutoFit/>
+          </a:bodyPr>
+          <a:lstStyle/>
+          <a:p>
+            <a:r>
+              <a:rPr lang="en-US" sz="1200" dirty="0">
+                <a:solidFill>
+                  <a:srgbClr val="00B050"/>
+                </a:solidFill>
+              </a:rPr>
+              <a:t> #timestamp  </a:t>
+            </a:r>
+          </a:p>
+          <a:p>
+            <a:r>
+              <a:rPr lang="en-US" sz="1200" dirty="0">
+                <a:solidFill>
+                  <a:srgbClr val="00B050"/>
+                </a:solidFill>
+              </a:rPr>
+              <a:t>  #</a:t>
+            </a:r>
+            <a:r>
+              <a:rPr lang="en-US" sz="1200" dirty="0" err="1">
+                <a:solidFill>
+                  <a:srgbClr val="00B050"/>
+                </a:solidFill>
+              </a:rPr>
+              <a:t>rawpupilsize</a:t>
+            </a:r>
+            <a:r>
+              <a:rPr lang="en-US" sz="1200" dirty="0">
+                <a:solidFill>
+                  <a:srgbClr val="00B050"/>
+                </a:solidFill>
+              </a:rPr>
+              <a:t>  </a:t>
+            </a:r>
+          </a:p>
+          <a:p>
+            <a:r>
+              <a:rPr lang="en-US" sz="1200" dirty="0">
+                <a:solidFill>
+                  <a:srgbClr val="00B050"/>
+                </a:solidFill>
+              </a:rPr>
+              <a:t>  #</a:t>
+            </a:r>
+            <a:r>
+              <a:rPr lang="en-US" sz="1200" dirty="0" err="1" smtClean="0">
+                <a:solidFill>
+                  <a:srgbClr val="00B050"/>
+                </a:solidFill>
+              </a:rPr>
+              <a:t>pupilvelocity</a:t>
+            </a:r>
+            <a:endParaRPr lang="en-US" sz="1200" dirty="0">
+              <a:solidFill>
+                <a:srgbClr val="00B050"/>
+              </a:solidFill>
+            </a:endParaRPr>
+          </a:p>
+          <a:p>
+            <a:r>
+              <a:rPr lang="en-US" sz="1200" dirty="0">
+                <a:solidFill>
+                  <a:srgbClr val="00B050"/>
+                </a:solidFill>
+              </a:rPr>
+              <a:t>  #</a:t>
+            </a:r>
+            <a:r>
+              <a:rPr lang="en-US" sz="1200" dirty="0" err="1" smtClean="0">
+                <a:solidFill>
+                  <a:srgbClr val="00B050"/>
+                </a:solidFill>
+              </a:rPr>
+              <a:t>headdistance</a:t>
+            </a:r>
+            <a:endParaRPr lang="en-US" sz="1200" dirty="0">
+              <a:solidFill>
+                <a:srgbClr val="00B050"/>
+              </a:solidFill>
+            </a:endParaRPr>
+          </a:p>
+          <a:p>
+            <a:r>
+              <a:rPr lang="en-US" sz="1200" dirty="0">
+                <a:solidFill>
+                  <a:srgbClr val="00B050"/>
+                </a:solidFill>
+              </a:rPr>
+              <a:t>  #</a:t>
+            </a:r>
+            <a:r>
+              <a:rPr lang="en-US" sz="1200" dirty="0" err="1">
+                <a:solidFill>
+                  <a:srgbClr val="00B050"/>
+                </a:solidFill>
+              </a:rPr>
+              <a:t>is_valid_pupil</a:t>
+            </a:r>
+            <a:endParaRPr lang="en-US" sz="1200" dirty="0">
+              <a:solidFill>
+                <a:srgbClr val="00B050"/>
+              </a:solidFill>
+            </a:endParaRPr>
+          </a:p>
+          <a:p>
+            <a:r>
+              <a:rPr lang="en-US" sz="1200" dirty="0">
+                <a:solidFill>
+                  <a:srgbClr val="00B050"/>
+                </a:solidFill>
+              </a:rPr>
+              <a:t>  #</a:t>
+            </a:r>
+            <a:r>
+              <a:rPr lang="en-US" sz="1200" dirty="0" err="1">
+                <a:solidFill>
+                  <a:srgbClr val="00B050"/>
+                </a:solidFill>
+              </a:rPr>
+              <a:t>is_valid_headdistance</a:t>
+            </a:r>
+            <a:r>
+              <a:rPr lang="en-US" sz="1200" dirty="0">
+                <a:solidFill>
+                  <a:srgbClr val="00B050"/>
+                </a:solidFill>
+              </a:rPr>
+              <a:t>  </a:t>
+            </a:r>
+          </a:p>
+          <a:p>
+            <a:r>
+              <a:rPr lang="en-US" sz="1200" dirty="0">
+                <a:solidFill>
+                  <a:srgbClr val="00B050"/>
+                </a:solidFill>
+              </a:rPr>
+              <a:t>  #</a:t>
+            </a:r>
+            <a:r>
+              <a:rPr lang="en-US" sz="1200" dirty="0" err="1">
+                <a:solidFill>
+                  <a:srgbClr val="00B050"/>
+                </a:solidFill>
+              </a:rPr>
+              <a:t>stimuliname</a:t>
+            </a:r>
+            <a:r>
+              <a:rPr lang="en-US" sz="1200" dirty="0">
+                <a:solidFill>
+                  <a:srgbClr val="00B050"/>
+                </a:solidFill>
+              </a:rPr>
+              <a:t>	</a:t>
+            </a:r>
+          </a:p>
+        </p:txBody>
+      </p:sp>
+      <p:sp>
+        <p:nvSpPr>
+          <p:cNvPr id="8" name="TextBox 7"/>
           <p:cNvSpPr txBox="1"/>
           <p:nvPr/>
         </p:nvSpPr>
         <p:spPr>
           <a:xfrm>
-            <a:off x="671384" y="1219200"/>
-            <a:ext cx="7710616" cy="5632311"/>
+            <a:off x="764931" y="4790356"/>
+            <a:ext cx="1002903" cy="369332"/>
           </a:xfrm>
           <a:prstGeom prst="rect">
             <a:avLst/>
@@ -3306,225 +4375,16 @@
           <a:noFill/>
         </p:spPr>
         <p:txBody>
-          <a:bodyPr wrap="square" rtlCol="0">
+          <a:bodyPr wrap="none" rtlCol="0">
             <a:spAutoFit/>
           </a:bodyPr>
           <a:lstStyle/>
           <a:p>
             <a:r>
-              <a:rPr lang="en-US" b="1" dirty="0" smtClean="0"/>
-              <a:t>1. Testing </a:t>
-            </a:r>
-            <a:r>
-              <a:rPr lang="en-US" b="1" dirty="0" smtClean="0"/>
-              <a:t>EMDAT Internal Data </a:t>
-            </a:r>
-            <a:r>
-              <a:rPr lang="en-US" dirty="0" smtClean="0"/>
-              <a:t>(Use default EMDAT configuration)</a:t>
-            </a:r>
-          </a:p>
-          <a:p>
-            <a:pPr lvl="1"/>
-            <a:r>
-              <a:rPr lang="en-US" dirty="0" smtClean="0"/>
-              <a:t>Goal: Compare eye tracker export data with internal EMDAT representation</a:t>
-            </a:r>
-          </a:p>
-          <a:p>
-            <a:pPr lvl="1"/>
-            <a:r>
-              <a:rPr lang="en-US" dirty="0" smtClean="0"/>
-              <a:t>Requirements: </a:t>
-            </a:r>
-          </a:p>
-          <a:p>
-            <a:pPr marL="742950" lvl="1" indent="-285750">
-              <a:buFont typeface="Arial" panose="020B0604020202020204" pitchFamily="34" charset="0"/>
-              <a:buChar char="•"/>
-            </a:pPr>
-            <a:r>
-              <a:rPr lang="en-US" dirty="0" smtClean="0"/>
-              <a:t>Eye tracker raw export file(s)</a:t>
-            </a:r>
-          </a:p>
-          <a:p>
-            <a:pPr marL="742950" lvl="1" indent="-285750">
-              <a:buFont typeface="Arial" panose="020B0604020202020204" pitchFamily="34" charset="0"/>
-              <a:buChar char="•"/>
-            </a:pPr>
-            <a:r>
-              <a:rPr lang="en-US" dirty="0" smtClean="0"/>
-              <a:t>Segment definition files</a:t>
-            </a:r>
-          </a:p>
-          <a:p>
-            <a:pPr marL="742950" lvl="1" indent="-285750">
-              <a:buFont typeface="Arial" panose="020B0604020202020204" pitchFamily="34" charset="0"/>
-              <a:buChar char="•"/>
-            </a:pPr>
-            <a:r>
-              <a:rPr lang="en-US" dirty="0" smtClean="0"/>
-              <a:t>Internal EMDAT data file</a:t>
-            </a:r>
-          </a:p>
-          <a:p>
-            <a:pPr marL="742950" lvl="1" indent="-285750">
-              <a:buFont typeface="Arial" panose="020B0604020202020204" pitchFamily="34" charset="0"/>
-              <a:buChar char="•"/>
-            </a:pPr>
-            <a:r>
-              <a:rPr lang="en-US" dirty="0" smtClean="0"/>
-              <a:t>We will be testing for 3 users, using 5 trials</a:t>
-            </a:r>
-          </a:p>
-          <a:p>
-            <a:pPr marL="742950" lvl="1" indent="-285750">
-              <a:buFont typeface="Arial" panose="020B0604020202020204" pitchFamily="34" charset="0"/>
-              <a:buChar char="•"/>
-            </a:pPr>
-            <a:r>
-              <a:rPr lang="en-US" dirty="0" smtClean="0"/>
-              <a:t>The AOI definitions file will have 3 AOIs: </a:t>
-            </a:r>
-          </a:p>
-          <a:p>
-            <a:pPr marL="1200150" lvl="2" indent="-285750">
-              <a:buFont typeface="Courier New" panose="02070309020205020404" pitchFamily="49" charset="0"/>
-              <a:buChar char="o"/>
-            </a:pPr>
-            <a:r>
-              <a:rPr lang="en-US" dirty="0" smtClean="0"/>
-              <a:t>(1 sparse, 1 small active, 1 large active)</a:t>
-            </a:r>
-          </a:p>
-          <a:p>
-            <a:pPr marL="742950" lvl="1" indent="-285750">
-              <a:buFontTx/>
-              <a:buChar char="-"/>
-            </a:pPr>
-            <a:endParaRPr lang="en-US" dirty="0" smtClean="0"/>
-          </a:p>
-          <a:p>
-            <a:r>
-              <a:rPr lang="en-US" b="1" dirty="0" smtClean="0"/>
-              <a:t>2. Testing </a:t>
-            </a:r>
-            <a:r>
-              <a:rPr lang="en-US" b="1" dirty="0" smtClean="0"/>
-              <a:t>Exported EMDAT Features </a:t>
-            </a:r>
-          </a:p>
-          <a:p>
-            <a:r>
-              <a:rPr lang="en-US" dirty="0" smtClean="0"/>
-              <a:t>        Goal: Manually compute each feature based on internal EMDAT data file and 	compare to EMDAT export file.</a:t>
-            </a:r>
-          </a:p>
-          <a:p>
-            <a:r>
-              <a:rPr lang="en-US" dirty="0" smtClean="0"/>
-              <a:t>        Summary of total number of features:</a:t>
-            </a:r>
-          </a:p>
-          <a:p>
-            <a:r>
-              <a:rPr lang="en-US" dirty="0"/>
-              <a:t>	</a:t>
-            </a:r>
-            <a:r>
-              <a:rPr lang="en-US" dirty="0" smtClean="0"/>
-              <a:t>- AOIs 8*3 + (18 transitions) = 42 </a:t>
-            </a:r>
-          </a:p>
-          <a:p>
-            <a:r>
-              <a:rPr lang="en-US" dirty="0"/>
-              <a:t>	</a:t>
-            </a:r>
-            <a:r>
-              <a:rPr lang="en-US" dirty="0" smtClean="0"/>
-              <a:t>- Head: 6</a:t>
-            </a:r>
-          </a:p>
-          <a:p>
-            <a:r>
-              <a:rPr lang="en-US" dirty="0"/>
-              <a:t>	</a:t>
-            </a:r>
-            <a:r>
-              <a:rPr lang="en-US" dirty="0" smtClean="0"/>
-              <a:t>- Pupil: 7</a:t>
-            </a:r>
-          </a:p>
-          <a:p>
-            <a:r>
-              <a:rPr lang="en-US" dirty="0"/>
-              <a:t>	</a:t>
-            </a:r>
-            <a:r>
-              <a:rPr lang="en-US" dirty="0" smtClean="0"/>
-              <a:t>- Original Gaze Set: ~20</a:t>
-            </a:r>
-          </a:p>
-          <a:p>
-            <a:r>
-              <a:rPr lang="en-US" dirty="0"/>
-              <a:t>	</a:t>
-            </a:r>
-            <a:r>
-              <a:rPr lang="en-US" dirty="0" smtClean="0"/>
-              <a:t>- Saccades: ~16</a:t>
-            </a:r>
-          </a:p>
-          <a:p>
-            <a:endParaRPr lang="en-US" dirty="0"/>
-          </a:p>
-        </p:txBody>
-      </p:sp>
-      <p:sp>
-        <p:nvSpPr>
-          <p:cNvPr id="8" name="Title 1"/>
-          <p:cNvSpPr txBox="1">
-            <a:spLocks/>
-          </p:cNvSpPr>
-          <p:nvPr/>
-        </p:nvSpPr>
-        <p:spPr>
-          <a:xfrm>
-            <a:off x="457200" y="76200"/>
-            <a:ext cx="8229600" cy="1143000"/>
-          </a:xfrm>
-          <a:prstGeom prst="rect">
-            <a:avLst/>
-          </a:prstGeom>
-        </p:spPr>
-        <p:txBody>
-          <a:bodyPr vert="horz" lIns="91440" tIns="45720" rIns="91440" bIns="45720" rtlCol="0" anchor="ctr">
-            <a:normAutofit fontScale="92500"/>
-          </a:bodyPr>
-          <a:lstStyle>
-            <a:lvl1pPr algn="ctr" defTabSz="914400" rtl="0" eaLnBrk="1" latinLnBrk="0" hangingPunct="1">
-              <a:spcBef>
-                <a:spcPct val="0"/>
-              </a:spcBef>
-              <a:buNone/>
-              <a:defRPr sz="4400" kern="1200">
-                <a:solidFill>
-                  <a:schemeClr val="tx1"/>
-                </a:solidFill>
-                <a:latin typeface="+mj-lt"/>
-                <a:ea typeface="+mj-ea"/>
-                <a:cs typeface="+mj-cs"/>
-              </a:defRPr>
-            </a:lvl1pPr>
-          </a:lstStyle>
-          <a:p>
-            <a:r>
-              <a:rPr lang="en-US" dirty="0" smtClean="0"/>
-              <a:t>Detailed Breakdown of Work required</a:t>
-            </a:r>
-            <a:endParaRPr lang="en-US" dirty="0"/>
+              <a:rPr lang="en-US" b="1" i="1" dirty="0" smtClean="0"/>
+              <a:t>fixations</a:t>
+            </a:r>
+            <a:endParaRPr lang="en-US" b="1" i="1" dirty="0"/>
           </a:p>
         </p:txBody>
       </p:sp>
@@ -3536,8 +4396,8 @@
         </p:nvSpPr>
         <p:spPr>
           <a:xfrm>
-            <a:off x="5562601" y="5486400"/>
-            <a:ext cx="3200400" cy="1015663"/>
+            <a:off x="2743200" y="4479282"/>
+            <a:ext cx="1031501" cy="369332"/>
           </a:xfrm>
           <a:prstGeom prst="rect">
             <a:avLst/>
@@ -3545,29 +4405,2061 @@
           <a:noFill/>
         </p:spPr>
         <p:txBody>
-          <a:bodyPr wrap="square" rtlCol="0">
+          <a:bodyPr wrap="none" rtlCol="0">
             <a:spAutoFit/>
           </a:bodyPr>
           <a:lstStyle/>
           <a:p>
             <a:r>
-              <a:rPr lang="en-US" sz="1200" dirty="0" smtClean="0"/>
-              <a:t>*NOTE: Features like AOIs and Angles, cannot be easily computed manually, and thus require using scripts. Therefore, Dereck’s goal will be to test ALL features using an extensive custom script in R. Then, testing will be automated!</a:t>
-            </a:r>
-            <a:endParaRPr lang="en-US" sz="1200" dirty="0"/>
+              <a:rPr lang="en-US" b="1" i="1" dirty="0" smtClean="0"/>
+              <a:t>saccades</a:t>
+            </a:r>
+            <a:endParaRPr lang="en-US" b="1" i="1" dirty="0"/>
+          </a:p>
+        </p:txBody>
+      </p:sp>
+      <p:sp>
+        <p:nvSpPr>
+          <p:cNvPr id="10" name="TextBox 9"/>
+          <p:cNvSpPr txBox="1"/>
+          <p:nvPr/>
+        </p:nvSpPr>
+        <p:spPr>
+          <a:xfrm>
+            <a:off x="4876800" y="4609962"/>
+            <a:ext cx="810607" cy="369332"/>
+          </a:xfrm>
+          <a:prstGeom prst="rect">
+            <a:avLst/>
+          </a:prstGeom>
+          <a:noFill/>
+        </p:spPr>
+        <p:txBody>
+          <a:bodyPr wrap="none" rtlCol="0">
+            <a:spAutoFit/>
+          </a:bodyPr>
+          <a:lstStyle/>
+          <a:p>
+            <a:r>
+              <a:rPr lang="en-US" b="1" i="1" dirty="0" smtClean="0"/>
+              <a:t>events</a:t>
+            </a:r>
+            <a:endParaRPr lang="en-US" b="1" i="1" dirty="0"/>
+          </a:p>
+        </p:txBody>
+      </p:sp>
+      <p:sp>
+        <p:nvSpPr>
+          <p:cNvPr id="11" name="TextBox 10"/>
+          <p:cNvSpPr txBox="1"/>
+          <p:nvPr/>
+        </p:nvSpPr>
+        <p:spPr>
+          <a:xfrm>
+            <a:off x="6400800" y="4609962"/>
+            <a:ext cx="1409360" cy="369332"/>
+          </a:xfrm>
+          <a:prstGeom prst="rect">
+            <a:avLst/>
+          </a:prstGeom>
+          <a:noFill/>
+        </p:spPr>
+        <p:txBody>
+          <a:bodyPr wrap="none" rtlCol="0">
+            <a:spAutoFit/>
+          </a:bodyPr>
+          <a:lstStyle/>
+          <a:p>
+            <a:r>
+              <a:rPr lang="en-US" b="1" i="1" dirty="0" smtClean="0"/>
+              <a:t>pupil &amp; head</a:t>
+            </a:r>
+            <a:endParaRPr lang="en-US" b="1" i="1" dirty="0"/>
           </a:p>
         </p:txBody>
       </p:sp>
     </p:spTree>
     <p:extLst>
       <p:ext uri="{BB962C8B-B14F-4D97-AF65-F5344CB8AC3E}">
-        <p14:creationId xmlns:p14="http://schemas.microsoft.com/office/powerpoint/2010/main" val="1048485650"/>
+        <p14:creationId xmlns:p14="http://schemas.microsoft.com/office/powerpoint/2010/main" val="3379355166"/>
       </p:ext>
     </p:extLst>
   </p:cSld>
   <p:clrMapOvr>
     <a:masterClrMapping/>
   </p:clrMapOvr>
+</p:sld>
+</file>
+
+<file path=ppt/slides/slide4.xml><?xml version="1.0" encoding="utf-8"?>
+<p:sld xmlns:a="http://schemas.openxmlformats.org/drawingml/2006/main" xmlns:r="http://schemas.openxmlformats.org/officeDocument/2006/relationships" xmlns:p="http://schemas.openxmlformats.org/presentationml/2006/main">
+  <p:cSld>
+    <p:spTree>
+      <p:nvGrpSpPr>
+        <p:cNvPr id="1" name=""/>
+        <p:cNvGrpSpPr/>
+        <p:nvPr/>
+      </p:nvGrpSpPr>
+      <p:grpSpPr>
+        <a:xfrm>
+          <a:off x="0" y="0"/>
+          <a:ext cx="0" cy="0"/>
+          <a:chOff x="0" y="0"/>
+          <a:chExt cx="0" cy="0"/>
+        </a:xfrm>
+      </p:grpSpPr>
+      <p:sp>
+        <p:nvSpPr>
+          <p:cNvPr id="2" name="Title 1"/>
+          <p:cNvSpPr>
+            <a:spLocks noGrp="1"/>
+          </p:cNvSpPr>
+          <p:nvPr>
+            <p:ph type="title"/>
+          </p:nvPr>
+        </p:nvSpPr>
+        <p:spPr>
+          <a:xfrm>
+            <a:off x="381000" y="152400"/>
+            <a:ext cx="8229600" cy="1143000"/>
+          </a:xfrm>
+        </p:spPr>
+        <p:txBody>
+          <a:bodyPr/>
+          <a:lstStyle/>
+          <a:p>
+            <a:r>
+              <a:rPr lang="en-US" dirty="0" smtClean="0"/>
+              <a:t>Ongoing Work</a:t>
+            </a:r>
+            <a:endParaRPr lang="en-US" dirty="0"/>
+          </a:p>
+        </p:txBody>
+      </p:sp>
+      <p:sp>
+        <p:nvSpPr>
+          <p:cNvPr id="3" name="Content Placeholder 2"/>
+          <p:cNvSpPr>
+            <a:spLocks noGrp="1"/>
+          </p:cNvSpPr>
+          <p:nvPr>
+            <p:ph idx="1"/>
+          </p:nvPr>
+        </p:nvSpPr>
+        <p:spPr>
+          <a:xfrm>
+            <a:off x="457200" y="1295400"/>
+            <a:ext cx="8229600" cy="4525963"/>
+          </a:xfrm>
+        </p:spPr>
+        <p:txBody>
+          <a:bodyPr/>
+          <a:lstStyle/>
+          <a:p>
+            <a:r>
+              <a:rPr lang="en-US" dirty="0" err="1" smtClean="0"/>
+              <a:t>Shunsuke</a:t>
+            </a:r>
+            <a:r>
+              <a:rPr lang="en-US" dirty="0" smtClean="0"/>
+              <a:t> has joined the project to implement </a:t>
+            </a:r>
+            <a:r>
+              <a:rPr lang="en-US" b="1" dirty="0" smtClean="0"/>
+              <a:t>STEP2.</a:t>
+            </a:r>
+          </a:p>
+          <a:p>
+            <a:r>
+              <a:rPr lang="en-US" dirty="0" smtClean="0"/>
+              <a:t>He will use the same code framework Dereck </a:t>
+            </a:r>
+            <a:r>
+              <a:rPr lang="en-US" dirty="0"/>
+              <a:t>established in R: </a:t>
+            </a:r>
+            <a:r>
+              <a:rPr lang="en-US" dirty="0" smtClean="0"/>
+              <a:t>EMDAT_part2Test.R</a:t>
+            </a:r>
+          </a:p>
+          <a:p>
+            <a:r>
+              <a:rPr lang="en-US" dirty="0" smtClean="0"/>
+              <a:t>Features to be tested shown on next slide.</a:t>
+            </a:r>
+            <a:endParaRPr lang="en-US" dirty="0"/>
+          </a:p>
+        </p:txBody>
+      </p:sp>
+    </p:spTree>
+    <p:extLst>
+      <p:ext uri="{BB962C8B-B14F-4D97-AF65-F5344CB8AC3E}">
+        <p14:creationId xmlns:p14="http://schemas.microsoft.com/office/powerpoint/2010/main" val="1955145766"/>
+      </p:ext>
+    </p:extLst>
+  </p:cSld>
+  <p:clrMapOvr>
+    <a:masterClrMapping/>
+  </p:clrMapOvr>
+</p:sld>
+</file>
+
+<file path=ppt/slides/slide5.xml><?xml version="1.0" encoding="utf-8"?>
+<p:sld xmlns:a="http://schemas.openxmlformats.org/drawingml/2006/main" xmlns:r="http://schemas.openxmlformats.org/officeDocument/2006/relationships" xmlns:p="http://schemas.openxmlformats.org/presentationml/2006/main">
+  <p:cSld>
+    <p:spTree>
+      <p:nvGrpSpPr>
+        <p:cNvPr id="1" name=""/>
+        <p:cNvGrpSpPr/>
+        <p:nvPr/>
+      </p:nvGrpSpPr>
+      <p:grpSpPr>
+        <a:xfrm>
+          <a:off x="0" y="0"/>
+          <a:ext cx="0" cy="0"/>
+          <a:chOff x="0" y="0"/>
+          <a:chExt cx="0" cy="0"/>
+        </a:xfrm>
+      </p:grpSpPr>
+      <p:sp>
+        <p:nvSpPr>
+          <p:cNvPr id="2" name="Title 1"/>
+          <p:cNvSpPr>
+            <a:spLocks noGrp="1"/>
+          </p:cNvSpPr>
+          <p:nvPr>
+            <p:ph type="title"/>
+          </p:nvPr>
+        </p:nvSpPr>
+        <p:spPr>
+          <a:xfrm>
+            <a:off x="381000" y="152400"/>
+            <a:ext cx="8229600" cy="1143000"/>
+          </a:xfrm>
+        </p:spPr>
+        <p:txBody>
+          <a:bodyPr/>
+          <a:lstStyle/>
+          <a:p>
+            <a:r>
+              <a:rPr lang="en-US" dirty="0" smtClean="0"/>
+              <a:t>Step2 test progress (</a:t>
+            </a:r>
+            <a:r>
+              <a:rPr lang="en-US" i="1" dirty="0" smtClean="0"/>
+              <a:t>63 features</a:t>
+            </a:r>
+            <a:r>
+              <a:rPr lang="en-US" dirty="0" smtClean="0"/>
+              <a:t>):</a:t>
+            </a:r>
+            <a:endParaRPr lang="en-US" dirty="0"/>
+          </a:p>
+        </p:txBody>
+      </p:sp>
+      <p:sp>
+        <p:nvSpPr>
+          <p:cNvPr id="4" name="Rectangle 3"/>
+          <p:cNvSpPr/>
+          <p:nvPr/>
+        </p:nvSpPr>
+        <p:spPr>
+          <a:xfrm>
+            <a:off x="381000" y="2169616"/>
+            <a:ext cx="1957754" cy="3970318"/>
+          </a:xfrm>
+          <a:prstGeom prst="rect">
+            <a:avLst/>
+          </a:prstGeom>
+        </p:spPr>
+        <p:txBody>
+          <a:bodyPr wrap="square">
+            <a:spAutoFit/>
+          </a:bodyPr>
+          <a:lstStyle/>
+          <a:p>
+            <a:r>
+              <a:rPr lang="en-US" sz="1200" dirty="0">
+                <a:solidFill>
+                  <a:srgbClr val="00B050"/>
+                </a:solidFill>
+              </a:rPr>
+              <a:t>#  </a:t>
+            </a:r>
+            <a:r>
+              <a:rPr lang="en-US" sz="1200" dirty="0" err="1">
+                <a:solidFill>
+                  <a:srgbClr val="00B050"/>
+                </a:solidFill>
+              </a:rPr>
+              <a:t>numfixations</a:t>
+            </a:r>
+            <a:endParaRPr lang="en-US" sz="1200" dirty="0">
+              <a:solidFill>
+                <a:srgbClr val="00B050"/>
+              </a:solidFill>
+            </a:endParaRPr>
+          </a:p>
+          <a:p>
+            <a:r>
+              <a:rPr lang="en-US" sz="1200" dirty="0">
+                <a:solidFill>
+                  <a:srgbClr val="00B050"/>
+                </a:solidFill>
+              </a:rPr>
+              <a:t>#  </a:t>
+            </a:r>
+            <a:r>
+              <a:rPr lang="en-US" sz="1200" dirty="0" err="1">
+                <a:solidFill>
+                  <a:srgbClr val="00B050"/>
+                </a:solidFill>
+              </a:rPr>
+              <a:t>sumfixationduration</a:t>
+            </a:r>
+            <a:endParaRPr lang="en-US" sz="1200" dirty="0">
+              <a:solidFill>
+                <a:srgbClr val="00B050"/>
+              </a:solidFill>
+            </a:endParaRPr>
+          </a:p>
+          <a:p>
+            <a:r>
+              <a:rPr lang="en-US" sz="1200" dirty="0">
+                <a:solidFill>
+                  <a:srgbClr val="00B050"/>
+                </a:solidFill>
+              </a:rPr>
+              <a:t>#  </a:t>
+            </a:r>
+            <a:r>
+              <a:rPr lang="en-US" sz="1200" dirty="0" err="1">
+                <a:solidFill>
+                  <a:srgbClr val="00B050"/>
+                </a:solidFill>
+              </a:rPr>
+              <a:t>stddevfixationduration</a:t>
+            </a:r>
+            <a:endParaRPr lang="en-US" sz="1200" dirty="0">
+              <a:solidFill>
+                <a:srgbClr val="00B050"/>
+              </a:solidFill>
+            </a:endParaRPr>
+          </a:p>
+          <a:p>
+            <a:r>
+              <a:rPr lang="en-US" sz="1200" dirty="0">
+                <a:solidFill>
+                  <a:srgbClr val="00B050"/>
+                </a:solidFill>
+              </a:rPr>
+              <a:t>#  </a:t>
+            </a:r>
+            <a:r>
+              <a:rPr lang="en-US" sz="1200" dirty="0" err="1">
+                <a:solidFill>
+                  <a:srgbClr val="00B050"/>
+                </a:solidFill>
+              </a:rPr>
+              <a:t>meanfixationduration</a:t>
+            </a:r>
+            <a:endParaRPr lang="en-US" sz="1200" dirty="0">
+              <a:solidFill>
+                <a:srgbClr val="00B050"/>
+              </a:solidFill>
+            </a:endParaRPr>
+          </a:p>
+          <a:p>
+            <a:r>
+              <a:rPr lang="en-US" sz="1200" dirty="0" smtClean="0">
+                <a:solidFill>
+                  <a:srgbClr val="00B050"/>
+                </a:solidFill>
+              </a:rPr>
+              <a:t>#  </a:t>
+            </a:r>
+            <a:r>
+              <a:rPr lang="en-US" sz="1200" dirty="0" err="1" smtClean="0">
+                <a:solidFill>
+                  <a:srgbClr val="00B050"/>
+                </a:solidFill>
+              </a:rPr>
+              <a:t>numsegments</a:t>
+            </a:r>
+            <a:endParaRPr lang="en-US" sz="1200" dirty="0" smtClean="0">
+              <a:solidFill>
+                <a:srgbClr val="00B050"/>
+              </a:solidFill>
+            </a:endParaRPr>
+          </a:p>
+          <a:p>
+            <a:r>
+              <a:rPr lang="en-US" sz="1200" dirty="0">
+                <a:solidFill>
+                  <a:srgbClr val="00B050"/>
+                </a:solidFill>
+              </a:rPr>
+              <a:t>#  </a:t>
+            </a:r>
+            <a:r>
+              <a:rPr lang="en-US" sz="1200" dirty="0" err="1" smtClean="0">
+                <a:solidFill>
+                  <a:srgbClr val="00B050"/>
+                </a:solidFill>
+              </a:rPr>
+              <a:t>sumpathdistance</a:t>
+            </a:r>
+            <a:endParaRPr lang="en-US" sz="1200" dirty="0" smtClean="0">
+              <a:solidFill>
+                <a:srgbClr val="00B050"/>
+              </a:solidFill>
+            </a:endParaRPr>
+          </a:p>
+          <a:p>
+            <a:r>
+              <a:rPr lang="en-US" sz="1200" dirty="0">
+                <a:solidFill>
+                  <a:srgbClr val="00B050"/>
+                </a:solidFill>
+              </a:rPr>
+              <a:t>#  </a:t>
+            </a:r>
+            <a:r>
+              <a:rPr lang="en-US" sz="1200" dirty="0" err="1">
+                <a:solidFill>
+                  <a:srgbClr val="00B050"/>
+                </a:solidFill>
+              </a:rPr>
+              <a:t>meanpathdistance</a:t>
+            </a:r>
+            <a:endParaRPr lang="en-US" sz="1200" dirty="0">
+              <a:solidFill>
+                <a:srgbClr val="00B050"/>
+              </a:solidFill>
+            </a:endParaRPr>
+          </a:p>
+          <a:p>
+            <a:r>
+              <a:rPr lang="en-US" sz="1200" dirty="0">
+                <a:solidFill>
+                  <a:srgbClr val="FF0000"/>
+                </a:solidFill>
+              </a:rPr>
+              <a:t>#  </a:t>
+            </a:r>
+            <a:r>
+              <a:rPr lang="en-US" sz="1200" dirty="0" err="1" smtClean="0">
+                <a:solidFill>
+                  <a:srgbClr val="FF0000"/>
+                </a:solidFill>
+              </a:rPr>
+              <a:t>fixationrate</a:t>
+            </a:r>
+            <a:endParaRPr lang="en-US" sz="1200" dirty="0" smtClean="0">
+              <a:solidFill>
+                <a:srgbClr val="FF0000"/>
+              </a:solidFill>
+            </a:endParaRPr>
+          </a:p>
+          <a:p>
+            <a:r>
+              <a:rPr lang="en-US" sz="1200" dirty="0" smtClean="0">
+                <a:solidFill>
+                  <a:srgbClr val="FF0000"/>
+                </a:solidFill>
+              </a:rPr>
+              <a:t>#  </a:t>
+            </a:r>
+            <a:r>
+              <a:rPr lang="en-US" sz="1200" dirty="0" err="1" smtClean="0">
+                <a:solidFill>
+                  <a:srgbClr val="FF0000"/>
+                </a:solidFill>
+              </a:rPr>
+              <a:t>fixationsaccadetimeratio</a:t>
+            </a:r>
+            <a:endParaRPr lang="en-US" sz="1200" dirty="0" smtClean="0">
+              <a:solidFill>
+                <a:srgbClr val="FF0000"/>
+              </a:solidFill>
+            </a:endParaRPr>
+          </a:p>
+          <a:p>
+            <a:r>
+              <a:rPr lang="en-US" sz="1200" dirty="0">
+                <a:solidFill>
+                  <a:srgbClr val="FF0000"/>
+                </a:solidFill>
+              </a:rPr>
+              <a:t>#  </a:t>
+            </a:r>
+            <a:r>
+              <a:rPr lang="en-US" sz="1200" dirty="0" err="1">
+                <a:solidFill>
+                  <a:srgbClr val="FF0000"/>
+                </a:solidFill>
+              </a:rPr>
+              <a:t>meanabspathangles</a:t>
+            </a:r>
+            <a:endParaRPr lang="en-US" sz="1200" dirty="0">
+              <a:solidFill>
+                <a:srgbClr val="FF0000"/>
+              </a:solidFill>
+            </a:endParaRPr>
+          </a:p>
+          <a:p>
+            <a:r>
+              <a:rPr lang="en-US" sz="1200" dirty="0" smtClean="0">
+                <a:solidFill>
+                  <a:srgbClr val="FF0000"/>
+                </a:solidFill>
+              </a:rPr>
+              <a:t>#  </a:t>
+            </a:r>
+            <a:r>
+              <a:rPr lang="en-US" sz="1200" dirty="0" err="1">
+                <a:solidFill>
+                  <a:srgbClr val="FF0000"/>
+                </a:solidFill>
+              </a:rPr>
+              <a:t>stddevabspathangles</a:t>
+            </a:r>
+            <a:endParaRPr lang="en-US" sz="1200" dirty="0">
+              <a:solidFill>
+                <a:srgbClr val="FF0000"/>
+              </a:solidFill>
+            </a:endParaRPr>
+          </a:p>
+          <a:p>
+            <a:r>
+              <a:rPr lang="en-US" sz="1200" dirty="0">
+                <a:solidFill>
+                  <a:srgbClr val="FF0000"/>
+                </a:solidFill>
+              </a:rPr>
+              <a:t>#  </a:t>
+            </a:r>
+            <a:r>
+              <a:rPr lang="en-US" sz="1200" dirty="0" err="1">
+                <a:solidFill>
+                  <a:srgbClr val="FF0000"/>
+                </a:solidFill>
+              </a:rPr>
+              <a:t>stddevpathdistance</a:t>
+            </a:r>
+            <a:endParaRPr lang="en-US" sz="1200" dirty="0">
+              <a:solidFill>
+                <a:srgbClr val="FF0000"/>
+              </a:solidFill>
+            </a:endParaRPr>
+          </a:p>
+          <a:p>
+            <a:r>
+              <a:rPr lang="en-US" sz="1200" dirty="0" smtClean="0">
+                <a:solidFill>
+                  <a:srgbClr val="FF0000"/>
+                </a:solidFill>
+              </a:rPr>
+              <a:t>#  </a:t>
+            </a:r>
+            <a:r>
+              <a:rPr lang="en-US" sz="1200" dirty="0" err="1">
+                <a:solidFill>
+                  <a:srgbClr val="FF0000"/>
+                </a:solidFill>
+              </a:rPr>
+              <a:t>sumabspathangles</a:t>
+            </a:r>
+            <a:endParaRPr lang="en-US" sz="1200" dirty="0">
+              <a:solidFill>
+                <a:srgbClr val="FF0000"/>
+              </a:solidFill>
+            </a:endParaRPr>
+          </a:p>
+          <a:p>
+            <a:r>
+              <a:rPr lang="en-US" sz="1200" dirty="0" smtClean="0"/>
+              <a:t>#  </a:t>
+            </a:r>
+            <a:r>
+              <a:rPr lang="en-US" sz="1200" dirty="0" err="1"/>
+              <a:t>abspathanglesrate</a:t>
+            </a:r>
+            <a:endParaRPr lang="en-US" sz="1200" dirty="0"/>
+          </a:p>
+          <a:p>
+            <a:r>
+              <a:rPr lang="en-US" sz="1200" dirty="0"/>
+              <a:t>#  </a:t>
+            </a:r>
+            <a:r>
+              <a:rPr lang="en-US" sz="1200" dirty="0" err="1"/>
+              <a:t>eyemovementvelocity</a:t>
+            </a:r>
+            <a:endParaRPr lang="en-US" sz="1200" dirty="0"/>
+          </a:p>
+          <a:p>
+            <a:r>
+              <a:rPr lang="en-US" sz="1200" dirty="0"/>
+              <a:t>#  </a:t>
+            </a:r>
+            <a:r>
+              <a:rPr lang="en-US" sz="1200" dirty="0" err="1"/>
+              <a:t>meanrelpathangles</a:t>
+            </a:r>
+            <a:endParaRPr lang="en-US" sz="1200" dirty="0"/>
+          </a:p>
+          <a:p>
+            <a:r>
+              <a:rPr lang="en-US" sz="1200" dirty="0"/>
+              <a:t>#  </a:t>
+            </a:r>
+            <a:r>
+              <a:rPr lang="en-US" sz="1200" dirty="0" err="1"/>
+              <a:t>relpathanglesrate</a:t>
+            </a:r>
+            <a:endParaRPr lang="en-US" sz="1200" dirty="0"/>
+          </a:p>
+          <a:p>
+            <a:r>
+              <a:rPr lang="en-US" sz="1200" dirty="0"/>
+              <a:t>#  </a:t>
+            </a:r>
+            <a:r>
+              <a:rPr lang="en-US" sz="1200" dirty="0" err="1"/>
+              <a:t>stddevrelpathangles</a:t>
+            </a:r>
+            <a:endParaRPr lang="en-US" sz="1200" dirty="0"/>
+          </a:p>
+          <a:p>
+            <a:r>
+              <a:rPr lang="en-US" sz="1200" dirty="0"/>
+              <a:t>#  </a:t>
+            </a:r>
+            <a:r>
+              <a:rPr lang="en-US" sz="1200" dirty="0" err="1"/>
+              <a:t>sumrelpathangles</a:t>
+            </a:r>
+            <a:endParaRPr lang="en-US" sz="1200" dirty="0"/>
+          </a:p>
+          <a:p>
+            <a:endParaRPr lang="en-US" sz="1200" dirty="0"/>
+          </a:p>
+          <a:p>
+            <a:endParaRPr lang="en-US" sz="1200" dirty="0" smtClean="0"/>
+          </a:p>
+        </p:txBody>
+      </p:sp>
+      <p:sp>
+        <p:nvSpPr>
+          <p:cNvPr id="6" name="Rectangle 5"/>
+          <p:cNvSpPr/>
+          <p:nvPr/>
+        </p:nvSpPr>
+        <p:spPr>
+          <a:xfrm>
+            <a:off x="2605454" y="2225607"/>
+            <a:ext cx="2057400" cy="2492990"/>
+          </a:xfrm>
+          <a:prstGeom prst="rect">
+            <a:avLst/>
+          </a:prstGeom>
+        </p:spPr>
+        <p:txBody>
+          <a:bodyPr wrap="square">
+            <a:spAutoFit/>
+          </a:bodyPr>
+          <a:lstStyle/>
+          <a:p>
+            <a:r>
+              <a:rPr lang="en-US" sz="1200" dirty="0">
+                <a:solidFill>
+                  <a:srgbClr val="00B050"/>
+                </a:solidFill>
+              </a:rPr>
+              <a:t>#  </a:t>
+            </a:r>
+            <a:r>
+              <a:rPr lang="en-US" sz="1200" dirty="0" err="1">
+                <a:solidFill>
+                  <a:srgbClr val="00B050"/>
+                </a:solidFill>
+              </a:rPr>
+              <a:t>longestsaccadedistance</a:t>
+            </a:r>
+            <a:endParaRPr lang="en-US" sz="1200" dirty="0">
+              <a:solidFill>
+                <a:srgbClr val="00B050"/>
+              </a:solidFill>
+            </a:endParaRPr>
+          </a:p>
+          <a:p>
+            <a:r>
+              <a:rPr lang="en-US" sz="1200" dirty="0">
+                <a:solidFill>
+                  <a:srgbClr val="00B050"/>
+                </a:solidFill>
+              </a:rPr>
+              <a:t>#  </a:t>
+            </a:r>
+            <a:r>
+              <a:rPr lang="en-US" sz="1200" dirty="0" err="1">
+                <a:solidFill>
+                  <a:srgbClr val="00B050"/>
+                </a:solidFill>
+              </a:rPr>
+              <a:t>longestsaccadeduration</a:t>
+            </a:r>
+            <a:endParaRPr lang="en-US" sz="1200" dirty="0">
+              <a:solidFill>
+                <a:srgbClr val="00B050"/>
+              </a:solidFill>
+            </a:endParaRPr>
+          </a:p>
+          <a:p>
+            <a:r>
+              <a:rPr lang="en-US" sz="1200" dirty="0">
+                <a:solidFill>
+                  <a:srgbClr val="00B050"/>
+                </a:solidFill>
+              </a:rPr>
+              <a:t>#  </a:t>
+            </a:r>
+            <a:r>
+              <a:rPr lang="en-US" sz="1200" dirty="0" err="1">
+                <a:solidFill>
+                  <a:srgbClr val="00B050"/>
+                </a:solidFill>
+              </a:rPr>
+              <a:t>maxsaccadespeed</a:t>
+            </a:r>
+            <a:endParaRPr lang="en-US" sz="1200" dirty="0">
+              <a:solidFill>
+                <a:srgbClr val="00B050"/>
+              </a:solidFill>
+            </a:endParaRPr>
+          </a:p>
+          <a:p>
+            <a:r>
+              <a:rPr lang="en-US" sz="1200" dirty="0">
+                <a:solidFill>
+                  <a:srgbClr val="00B050"/>
+                </a:solidFill>
+              </a:rPr>
+              <a:t>#  </a:t>
+            </a:r>
+            <a:r>
+              <a:rPr lang="en-US" sz="1200" dirty="0" err="1">
+                <a:solidFill>
+                  <a:srgbClr val="00B050"/>
+                </a:solidFill>
+              </a:rPr>
+              <a:t>numsaccades</a:t>
+            </a:r>
+            <a:endParaRPr lang="en-US" sz="1200" dirty="0">
+              <a:solidFill>
+                <a:srgbClr val="00B050"/>
+              </a:solidFill>
+            </a:endParaRPr>
+          </a:p>
+          <a:p>
+            <a:r>
+              <a:rPr lang="en-US" sz="1200" dirty="0">
+                <a:solidFill>
+                  <a:srgbClr val="00B050"/>
+                </a:solidFill>
+              </a:rPr>
+              <a:t>#  </a:t>
+            </a:r>
+            <a:r>
+              <a:rPr lang="en-US" sz="1200" dirty="0" err="1">
+                <a:solidFill>
+                  <a:srgbClr val="00B050"/>
+                </a:solidFill>
+              </a:rPr>
+              <a:t>stddevsaccadedistance</a:t>
+            </a:r>
+            <a:endParaRPr lang="en-US" sz="1200" dirty="0">
+              <a:solidFill>
+                <a:srgbClr val="00B050"/>
+              </a:solidFill>
+            </a:endParaRPr>
+          </a:p>
+          <a:p>
+            <a:r>
+              <a:rPr lang="en-US" sz="1200" dirty="0">
+                <a:solidFill>
+                  <a:srgbClr val="00B050"/>
+                </a:solidFill>
+              </a:rPr>
+              <a:t>#  </a:t>
+            </a:r>
+            <a:r>
+              <a:rPr lang="en-US" sz="1200" dirty="0" err="1">
+                <a:solidFill>
+                  <a:srgbClr val="00B050"/>
+                </a:solidFill>
+              </a:rPr>
+              <a:t>stddevsaccadeduration</a:t>
+            </a:r>
+            <a:endParaRPr lang="en-US" sz="1200" dirty="0">
+              <a:solidFill>
+                <a:srgbClr val="00B050"/>
+              </a:solidFill>
+            </a:endParaRPr>
+          </a:p>
+          <a:p>
+            <a:r>
+              <a:rPr lang="en-US" sz="1200" dirty="0">
+                <a:solidFill>
+                  <a:srgbClr val="00B050"/>
+                </a:solidFill>
+              </a:rPr>
+              <a:t>#  </a:t>
+            </a:r>
+            <a:r>
+              <a:rPr lang="en-US" sz="1200" dirty="0" err="1">
+                <a:solidFill>
+                  <a:srgbClr val="00B050"/>
+                </a:solidFill>
+              </a:rPr>
+              <a:t>stddevsaccadespeed</a:t>
+            </a:r>
+            <a:endParaRPr lang="en-US" sz="1200" dirty="0">
+              <a:solidFill>
+                <a:srgbClr val="00B050"/>
+              </a:solidFill>
+            </a:endParaRPr>
+          </a:p>
+          <a:p>
+            <a:r>
+              <a:rPr lang="en-US" sz="1200" dirty="0">
+                <a:solidFill>
+                  <a:srgbClr val="FF0000"/>
+                </a:solidFill>
+              </a:rPr>
+              <a:t>#  </a:t>
+            </a:r>
+            <a:r>
+              <a:rPr lang="en-US" sz="1200" dirty="0" err="1">
+                <a:solidFill>
+                  <a:srgbClr val="FF0000"/>
+                </a:solidFill>
+              </a:rPr>
+              <a:t>sumsaccadedistance</a:t>
+            </a:r>
+            <a:endParaRPr lang="en-US" sz="1200" dirty="0">
+              <a:solidFill>
+                <a:srgbClr val="FF0000"/>
+              </a:solidFill>
+            </a:endParaRPr>
+          </a:p>
+          <a:p>
+            <a:r>
+              <a:rPr lang="en-US" sz="1200" dirty="0">
+                <a:solidFill>
+                  <a:srgbClr val="00B050"/>
+                </a:solidFill>
+              </a:rPr>
+              <a:t>#  </a:t>
+            </a:r>
+            <a:r>
+              <a:rPr lang="en-US" sz="1200" dirty="0" err="1">
+                <a:solidFill>
+                  <a:srgbClr val="00B050"/>
+                </a:solidFill>
+              </a:rPr>
+              <a:t>sumsaccadeduration</a:t>
+            </a:r>
+            <a:endParaRPr lang="en-US" sz="1200" dirty="0">
+              <a:solidFill>
+                <a:srgbClr val="00B050"/>
+              </a:solidFill>
+            </a:endParaRPr>
+          </a:p>
+          <a:p>
+            <a:r>
+              <a:rPr lang="en-US" sz="1200" dirty="0">
+                <a:solidFill>
+                  <a:srgbClr val="00B050"/>
+                </a:solidFill>
+              </a:rPr>
+              <a:t>#  </a:t>
+            </a:r>
+            <a:r>
+              <a:rPr lang="en-US" sz="1200" dirty="0" err="1">
+                <a:solidFill>
+                  <a:srgbClr val="00B050"/>
+                </a:solidFill>
+              </a:rPr>
+              <a:t>meansaccadedistance</a:t>
+            </a:r>
+            <a:endParaRPr lang="en-US" sz="1200" dirty="0">
+              <a:solidFill>
+                <a:srgbClr val="00B050"/>
+              </a:solidFill>
+            </a:endParaRPr>
+          </a:p>
+          <a:p>
+            <a:r>
+              <a:rPr lang="en-US" sz="1200" dirty="0">
+                <a:solidFill>
+                  <a:srgbClr val="00B050"/>
+                </a:solidFill>
+              </a:rPr>
+              <a:t>#  </a:t>
+            </a:r>
+            <a:r>
+              <a:rPr lang="en-US" sz="1200" dirty="0" err="1">
+                <a:solidFill>
+                  <a:srgbClr val="00B050"/>
+                </a:solidFill>
+              </a:rPr>
+              <a:t>meansaccadeduration</a:t>
+            </a:r>
+            <a:endParaRPr lang="en-US" sz="1200" dirty="0">
+              <a:solidFill>
+                <a:srgbClr val="00B050"/>
+              </a:solidFill>
+            </a:endParaRPr>
+          </a:p>
+          <a:p>
+            <a:r>
+              <a:rPr lang="en-US" sz="1200" dirty="0">
+                <a:solidFill>
+                  <a:srgbClr val="00B050"/>
+                </a:solidFill>
+              </a:rPr>
+              <a:t>#  </a:t>
+            </a:r>
+            <a:r>
+              <a:rPr lang="en-US" sz="1200" dirty="0" err="1">
+                <a:solidFill>
+                  <a:srgbClr val="00B050"/>
+                </a:solidFill>
+              </a:rPr>
+              <a:t>meansaccadespeed</a:t>
+            </a:r>
+            <a:endParaRPr lang="en-US" sz="1200" dirty="0">
+              <a:solidFill>
+                <a:srgbClr val="00B050"/>
+              </a:solidFill>
+            </a:endParaRPr>
+          </a:p>
+          <a:p>
+            <a:r>
+              <a:rPr lang="en-US" sz="1200" dirty="0">
+                <a:solidFill>
+                  <a:srgbClr val="00B050"/>
+                </a:solidFill>
+              </a:rPr>
+              <a:t>#  </a:t>
+            </a:r>
+            <a:r>
+              <a:rPr lang="en-US" sz="1200" dirty="0" err="1">
+                <a:solidFill>
+                  <a:srgbClr val="00B050"/>
+                </a:solidFill>
+              </a:rPr>
+              <a:t>minsaccadespeed</a:t>
+            </a:r>
+            <a:r>
+              <a:rPr lang="en-US" sz="1200" dirty="0">
+                <a:solidFill>
+                  <a:srgbClr val="00B050"/>
+                </a:solidFill>
+              </a:rPr>
+              <a:t> </a:t>
+            </a:r>
+          </a:p>
+        </p:txBody>
+      </p:sp>
+      <p:sp>
+        <p:nvSpPr>
+          <p:cNvPr id="8" name="Rectangle 7"/>
+          <p:cNvSpPr/>
+          <p:nvPr/>
+        </p:nvSpPr>
+        <p:spPr>
+          <a:xfrm>
+            <a:off x="4850423" y="2231410"/>
+            <a:ext cx="1905000" cy="2492990"/>
+          </a:xfrm>
+          <a:prstGeom prst="rect">
+            <a:avLst/>
+          </a:prstGeom>
+        </p:spPr>
+        <p:txBody>
+          <a:bodyPr wrap="square">
+            <a:spAutoFit/>
+          </a:bodyPr>
+          <a:lstStyle/>
+          <a:p>
+            <a:r>
+              <a:rPr lang="en-US" sz="1200" dirty="0"/>
+              <a:t>#  </a:t>
+            </a:r>
+            <a:r>
+              <a:rPr lang="en-US" sz="1200" dirty="0" err="1"/>
+              <a:t>doubleclicrate</a:t>
+            </a:r>
+            <a:endParaRPr lang="en-US" sz="1200" dirty="0"/>
+          </a:p>
+          <a:p>
+            <a:r>
+              <a:rPr lang="en-US" sz="1200" dirty="0"/>
+              <a:t>#  </a:t>
+            </a:r>
+            <a:r>
+              <a:rPr lang="en-US" sz="1200" dirty="0" err="1"/>
+              <a:t>keypressedrate</a:t>
+            </a:r>
+            <a:endParaRPr lang="en-US" sz="1200" dirty="0"/>
+          </a:p>
+          <a:p>
+            <a:r>
+              <a:rPr lang="en-US" sz="1200" dirty="0"/>
+              <a:t>#  </a:t>
+            </a:r>
+            <a:r>
+              <a:rPr lang="en-US" sz="1200" dirty="0" err="1"/>
+              <a:t>leftclicrate</a:t>
+            </a:r>
+            <a:endParaRPr lang="en-US" sz="1200" dirty="0"/>
+          </a:p>
+          <a:p>
+            <a:r>
+              <a:rPr lang="en-US" sz="1200" dirty="0"/>
+              <a:t>#  </a:t>
+            </a:r>
+            <a:r>
+              <a:rPr lang="en-US" sz="1200" dirty="0" err="1"/>
+              <a:t>numdoubleclic</a:t>
+            </a:r>
+            <a:endParaRPr lang="en-US" sz="1200" dirty="0"/>
+          </a:p>
+          <a:p>
+            <a:r>
+              <a:rPr lang="en-US" sz="1200" dirty="0"/>
+              <a:t>#  </a:t>
+            </a:r>
+            <a:r>
+              <a:rPr lang="en-US" sz="1200" dirty="0" err="1"/>
+              <a:t>numevents</a:t>
+            </a:r>
+            <a:endParaRPr lang="en-US" sz="1200" dirty="0"/>
+          </a:p>
+          <a:p>
+            <a:r>
+              <a:rPr lang="en-US" sz="1200" dirty="0"/>
+              <a:t>#  </a:t>
+            </a:r>
+            <a:r>
+              <a:rPr lang="en-US" sz="1200" dirty="0" err="1"/>
+              <a:t>numkeypressed</a:t>
+            </a:r>
+            <a:endParaRPr lang="en-US" sz="1200" dirty="0"/>
+          </a:p>
+          <a:p>
+            <a:r>
+              <a:rPr lang="en-US" sz="1200" dirty="0"/>
+              <a:t>#  </a:t>
+            </a:r>
+            <a:r>
+              <a:rPr lang="en-US" sz="1200" dirty="0" err="1"/>
+              <a:t>numleftclic</a:t>
+            </a:r>
+            <a:endParaRPr lang="en-US" sz="1200" dirty="0"/>
+          </a:p>
+          <a:p>
+            <a:r>
+              <a:rPr lang="en-US" sz="1200" dirty="0"/>
+              <a:t>#  </a:t>
+            </a:r>
+            <a:r>
+              <a:rPr lang="en-US" sz="1200" dirty="0" err="1"/>
+              <a:t>numrightclic</a:t>
+            </a:r>
+            <a:endParaRPr lang="en-US" sz="1200" dirty="0"/>
+          </a:p>
+          <a:p>
+            <a:r>
+              <a:rPr lang="en-US" sz="1200" dirty="0"/>
+              <a:t>#  </a:t>
+            </a:r>
+            <a:r>
+              <a:rPr lang="en-US" sz="1200" dirty="0" err="1"/>
+              <a:t>rightclicrate</a:t>
+            </a:r>
+            <a:endParaRPr lang="en-US" sz="1200" dirty="0"/>
+          </a:p>
+          <a:p>
+            <a:r>
+              <a:rPr lang="en-US" sz="1200" dirty="0"/>
+              <a:t>#  </a:t>
+            </a:r>
+            <a:r>
+              <a:rPr lang="en-US" sz="1200" dirty="0" err="1"/>
+              <a:t>timetofirstdoubleclic</a:t>
+            </a:r>
+            <a:endParaRPr lang="en-US" sz="1200" dirty="0"/>
+          </a:p>
+          <a:p>
+            <a:r>
+              <a:rPr lang="en-US" sz="1200" dirty="0"/>
+              <a:t>#  </a:t>
+            </a:r>
+            <a:r>
+              <a:rPr lang="en-US" sz="1200" dirty="0" err="1"/>
+              <a:t>timetofirstkeypressed</a:t>
+            </a:r>
+            <a:endParaRPr lang="en-US" sz="1200" dirty="0"/>
+          </a:p>
+          <a:p>
+            <a:r>
+              <a:rPr lang="en-US" sz="1200" dirty="0"/>
+              <a:t>#  </a:t>
+            </a:r>
+            <a:r>
+              <a:rPr lang="en-US" sz="1200" dirty="0" err="1"/>
+              <a:t>timetofirstleftclic</a:t>
+            </a:r>
+            <a:endParaRPr lang="en-US" sz="1200" dirty="0"/>
+          </a:p>
+          <a:p>
+            <a:r>
+              <a:rPr lang="en-US" sz="1200" dirty="0"/>
+              <a:t>#  </a:t>
+            </a:r>
+            <a:r>
+              <a:rPr lang="en-US" sz="1200" dirty="0" err="1"/>
+              <a:t>timetofirstrightclic</a:t>
+            </a:r>
+            <a:endParaRPr lang="en-US" sz="1200" dirty="0"/>
+          </a:p>
+        </p:txBody>
+      </p:sp>
+      <p:sp>
+        <p:nvSpPr>
+          <p:cNvPr id="9" name="Rectangle 8"/>
+          <p:cNvSpPr/>
+          <p:nvPr/>
+        </p:nvSpPr>
+        <p:spPr>
+          <a:xfrm>
+            <a:off x="6758354" y="2222480"/>
+            <a:ext cx="2057400" cy="3416320"/>
+          </a:xfrm>
+          <a:prstGeom prst="rect">
+            <a:avLst/>
+          </a:prstGeom>
+        </p:spPr>
+        <p:txBody>
+          <a:bodyPr wrap="square">
+            <a:spAutoFit/>
+          </a:bodyPr>
+          <a:lstStyle/>
+          <a:p>
+            <a:r>
+              <a:rPr lang="en-US" sz="1200" dirty="0"/>
+              <a:t>#  length</a:t>
+            </a:r>
+          </a:p>
+          <a:p>
+            <a:r>
+              <a:rPr lang="en-US" sz="1200" dirty="0" smtClean="0"/>
+              <a:t>#  </a:t>
+            </a:r>
+            <a:r>
+              <a:rPr lang="en-US" sz="1200" dirty="0" err="1"/>
+              <a:t>numsamples</a:t>
+            </a:r>
+            <a:endParaRPr lang="en-US" sz="1200" dirty="0"/>
+          </a:p>
+          <a:p>
+            <a:r>
+              <a:rPr lang="en-US" sz="1200" dirty="0"/>
+              <a:t>#  </a:t>
+            </a:r>
+            <a:r>
+              <a:rPr lang="en-US" sz="1200" dirty="0" err="1"/>
+              <a:t>enddistance</a:t>
+            </a:r>
+            <a:endParaRPr lang="en-US" sz="1200" dirty="0"/>
+          </a:p>
+          <a:p>
+            <a:r>
+              <a:rPr lang="en-US" sz="1200" dirty="0"/>
+              <a:t>#  </a:t>
+            </a:r>
+            <a:r>
+              <a:rPr lang="en-US" sz="1200" dirty="0" err="1"/>
+              <a:t>endpupilsize</a:t>
+            </a:r>
+            <a:endParaRPr lang="en-US" sz="1200" dirty="0"/>
+          </a:p>
+          <a:p>
+            <a:r>
+              <a:rPr lang="en-US" sz="1200" dirty="0"/>
+              <a:t>#  </a:t>
+            </a:r>
+            <a:r>
+              <a:rPr lang="en-US" sz="1200" dirty="0" err="1"/>
+              <a:t>maxdistance</a:t>
+            </a:r>
+            <a:endParaRPr lang="en-US" sz="1200" dirty="0"/>
+          </a:p>
+          <a:p>
+            <a:r>
+              <a:rPr lang="en-US" sz="1200" dirty="0"/>
+              <a:t>#  </a:t>
+            </a:r>
+            <a:r>
+              <a:rPr lang="en-US" sz="1200" dirty="0" err="1"/>
+              <a:t>maxpupilsize</a:t>
+            </a:r>
+            <a:endParaRPr lang="en-US" sz="1200" dirty="0"/>
+          </a:p>
+          <a:p>
+            <a:r>
+              <a:rPr lang="en-US" sz="1200" dirty="0"/>
+              <a:t>#  </a:t>
+            </a:r>
+            <a:r>
+              <a:rPr lang="en-US" sz="1200" dirty="0" err="1"/>
+              <a:t>maxpupilvelocity</a:t>
+            </a:r>
+            <a:endParaRPr lang="en-US" sz="1200" dirty="0"/>
+          </a:p>
+          <a:p>
+            <a:r>
+              <a:rPr lang="en-US" sz="1200" dirty="0"/>
+              <a:t>#  </a:t>
+            </a:r>
+            <a:r>
+              <a:rPr lang="en-US" sz="1200" dirty="0" err="1"/>
+              <a:t>meandistance</a:t>
+            </a:r>
+            <a:endParaRPr lang="en-US" sz="1200" dirty="0"/>
+          </a:p>
+          <a:p>
+            <a:r>
+              <a:rPr lang="en-US" sz="1200" dirty="0"/>
+              <a:t>#  </a:t>
+            </a:r>
+            <a:r>
+              <a:rPr lang="en-US" sz="1200" dirty="0" err="1"/>
+              <a:t>meanpupilsize</a:t>
+            </a:r>
+            <a:endParaRPr lang="en-US" sz="1200" dirty="0"/>
+          </a:p>
+          <a:p>
+            <a:r>
+              <a:rPr lang="en-US" sz="1200" dirty="0"/>
+              <a:t>#  </a:t>
+            </a:r>
+            <a:r>
+              <a:rPr lang="en-US" sz="1200" dirty="0" err="1"/>
+              <a:t>meanpupilvelocity</a:t>
+            </a:r>
+            <a:endParaRPr lang="en-US" sz="1200" dirty="0"/>
+          </a:p>
+          <a:p>
+            <a:r>
+              <a:rPr lang="en-US" sz="1200" dirty="0"/>
+              <a:t>#  </a:t>
+            </a:r>
+            <a:r>
+              <a:rPr lang="en-US" sz="1200" dirty="0" err="1"/>
+              <a:t>mindistance</a:t>
+            </a:r>
+            <a:endParaRPr lang="en-US" sz="1200" dirty="0"/>
+          </a:p>
+          <a:p>
+            <a:r>
+              <a:rPr lang="en-US" sz="1200" dirty="0"/>
+              <a:t>#  </a:t>
+            </a:r>
+            <a:r>
+              <a:rPr lang="en-US" sz="1200" dirty="0" err="1"/>
+              <a:t>minpupilsize</a:t>
+            </a:r>
+            <a:endParaRPr lang="en-US" sz="1200" dirty="0"/>
+          </a:p>
+          <a:p>
+            <a:r>
+              <a:rPr lang="en-US" sz="1200" dirty="0"/>
+              <a:t>#  </a:t>
+            </a:r>
+            <a:r>
+              <a:rPr lang="en-US" sz="1200" dirty="0" err="1"/>
+              <a:t>minpupilvelocity</a:t>
+            </a:r>
+            <a:endParaRPr lang="en-US" sz="1200" dirty="0"/>
+          </a:p>
+          <a:p>
+            <a:r>
+              <a:rPr lang="en-US" sz="1200" dirty="0"/>
+              <a:t>#  </a:t>
+            </a:r>
+            <a:r>
+              <a:rPr lang="en-US" sz="1200" dirty="0" err="1"/>
+              <a:t>startdistance</a:t>
+            </a:r>
+            <a:endParaRPr lang="en-US" sz="1200" dirty="0"/>
+          </a:p>
+          <a:p>
+            <a:r>
+              <a:rPr lang="en-US" sz="1200" dirty="0"/>
+              <a:t>#  </a:t>
+            </a:r>
+            <a:r>
+              <a:rPr lang="en-US" sz="1200" dirty="0" err="1"/>
+              <a:t>startpupilsize</a:t>
+            </a:r>
+            <a:endParaRPr lang="en-US" sz="1200" dirty="0"/>
+          </a:p>
+          <a:p>
+            <a:r>
+              <a:rPr lang="en-US" sz="1200" dirty="0"/>
+              <a:t>#  </a:t>
+            </a:r>
+            <a:r>
+              <a:rPr lang="en-US" sz="1200" dirty="0" err="1"/>
+              <a:t>stddevdistance</a:t>
+            </a:r>
+            <a:endParaRPr lang="en-US" sz="1200" dirty="0"/>
+          </a:p>
+          <a:p>
+            <a:r>
+              <a:rPr lang="en-US" sz="1200" dirty="0"/>
+              <a:t>#  </a:t>
+            </a:r>
+            <a:r>
+              <a:rPr lang="en-US" sz="1200" dirty="0" err="1"/>
+              <a:t>stddevpupilsize</a:t>
+            </a:r>
+            <a:endParaRPr lang="en-US" sz="1200" dirty="0"/>
+          </a:p>
+          <a:p>
+            <a:r>
+              <a:rPr lang="en-US" sz="1200" dirty="0"/>
+              <a:t>#  </a:t>
+            </a:r>
+            <a:r>
+              <a:rPr lang="en-US" sz="1200" dirty="0" err="1"/>
+              <a:t>stddevpupilvelocity</a:t>
+            </a:r>
+            <a:endParaRPr lang="en-US" sz="1200" dirty="0"/>
+          </a:p>
+        </p:txBody>
+      </p:sp>
+      <p:sp>
+        <p:nvSpPr>
+          <p:cNvPr id="10" name="TextBox 9"/>
+          <p:cNvSpPr txBox="1"/>
+          <p:nvPr/>
+        </p:nvSpPr>
+        <p:spPr>
+          <a:xfrm>
+            <a:off x="533400" y="1735753"/>
+            <a:ext cx="1002903" cy="369332"/>
+          </a:xfrm>
+          <a:prstGeom prst="rect">
+            <a:avLst/>
+          </a:prstGeom>
+          <a:noFill/>
+        </p:spPr>
+        <p:txBody>
+          <a:bodyPr wrap="none" rtlCol="0">
+            <a:spAutoFit/>
+          </a:bodyPr>
+          <a:lstStyle/>
+          <a:p>
+            <a:r>
+              <a:rPr lang="en-US" b="1" i="1" dirty="0" smtClean="0"/>
+              <a:t>fixations</a:t>
+            </a:r>
+            <a:endParaRPr lang="en-US" b="1" i="1" dirty="0"/>
+          </a:p>
+        </p:txBody>
+      </p:sp>
+      <p:sp>
+        <p:nvSpPr>
+          <p:cNvPr id="11" name="TextBox 10"/>
+          <p:cNvSpPr txBox="1"/>
+          <p:nvPr/>
+        </p:nvSpPr>
+        <p:spPr>
+          <a:xfrm>
+            <a:off x="5024554" y="1789629"/>
+            <a:ext cx="810607" cy="369332"/>
+          </a:xfrm>
+          <a:prstGeom prst="rect">
+            <a:avLst/>
+          </a:prstGeom>
+          <a:noFill/>
+        </p:spPr>
+        <p:txBody>
+          <a:bodyPr wrap="none" rtlCol="0">
+            <a:spAutoFit/>
+          </a:bodyPr>
+          <a:lstStyle/>
+          <a:p>
+            <a:r>
+              <a:rPr lang="en-US" b="1" i="1" dirty="0" smtClean="0"/>
+              <a:t>events</a:t>
+            </a:r>
+            <a:endParaRPr lang="en-US" b="1" i="1" dirty="0"/>
+          </a:p>
+        </p:txBody>
+      </p:sp>
+      <p:sp>
+        <p:nvSpPr>
+          <p:cNvPr id="12" name="TextBox 11"/>
+          <p:cNvSpPr txBox="1"/>
+          <p:nvPr/>
+        </p:nvSpPr>
+        <p:spPr>
+          <a:xfrm>
+            <a:off x="6758354" y="1774755"/>
+            <a:ext cx="1409360" cy="369332"/>
+          </a:xfrm>
+          <a:prstGeom prst="rect">
+            <a:avLst/>
+          </a:prstGeom>
+          <a:noFill/>
+        </p:spPr>
+        <p:txBody>
+          <a:bodyPr wrap="none" rtlCol="0">
+            <a:spAutoFit/>
+          </a:bodyPr>
+          <a:lstStyle/>
+          <a:p>
+            <a:r>
+              <a:rPr lang="en-US" b="1" i="1" dirty="0" smtClean="0"/>
+              <a:t>pupil &amp; head</a:t>
+            </a:r>
+            <a:endParaRPr lang="en-US" b="1" i="1" dirty="0"/>
+          </a:p>
+        </p:txBody>
+      </p:sp>
+      <p:sp>
+        <p:nvSpPr>
+          <p:cNvPr id="13" name="TextBox 12"/>
+          <p:cNvSpPr txBox="1"/>
+          <p:nvPr/>
+        </p:nvSpPr>
+        <p:spPr>
+          <a:xfrm>
+            <a:off x="2846993" y="1752600"/>
+            <a:ext cx="1031501" cy="369332"/>
+          </a:xfrm>
+          <a:prstGeom prst="rect">
+            <a:avLst/>
+          </a:prstGeom>
+          <a:noFill/>
+        </p:spPr>
+        <p:txBody>
+          <a:bodyPr wrap="none" rtlCol="0">
+            <a:spAutoFit/>
+          </a:bodyPr>
+          <a:lstStyle/>
+          <a:p>
+            <a:r>
+              <a:rPr lang="en-US" b="1" i="1" dirty="0" smtClean="0"/>
+              <a:t>saccades</a:t>
+            </a:r>
+            <a:endParaRPr lang="en-US" b="1" i="1" dirty="0"/>
+          </a:p>
+        </p:txBody>
+      </p:sp>
+    </p:spTree>
+    <p:extLst>
+      <p:ext uri="{BB962C8B-B14F-4D97-AF65-F5344CB8AC3E}">
+        <p14:creationId xmlns:p14="http://schemas.microsoft.com/office/powerpoint/2010/main" val="494774600"/>
+      </p:ext>
+    </p:extLst>
+  </p:cSld>
+  <p:clrMapOvr>
+    <a:masterClrMapping/>
+  </p:clrMapOvr>
+</p:sld>
+</file>
+
+<file path=ppt/slides/slide6.xml><?xml version="1.0" encoding="utf-8"?>
+<p:sld xmlns:a="http://schemas.openxmlformats.org/drawingml/2006/main" xmlns:r="http://schemas.openxmlformats.org/officeDocument/2006/relationships" xmlns:p="http://schemas.openxmlformats.org/presentationml/2006/main">
+  <p:cSld>
+    <p:spTree>
+      <p:nvGrpSpPr>
+        <p:cNvPr id="1" name=""/>
+        <p:cNvGrpSpPr/>
+        <p:nvPr/>
+      </p:nvGrpSpPr>
+      <p:grpSpPr>
+        <a:xfrm>
+          <a:off x="0" y="0"/>
+          <a:ext cx="0" cy="0"/>
+          <a:chOff x="0" y="0"/>
+          <a:chExt cx="0" cy="0"/>
+        </a:xfrm>
+      </p:grpSpPr>
+      <p:sp>
+        <p:nvSpPr>
+          <p:cNvPr id="2" name="Title 1"/>
+          <p:cNvSpPr>
+            <a:spLocks noGrp="1"/>
+          </p:cNvSpPr>
+          <p:nvPr>
+            <p:ph type="title"/>
+          </p:nvPr>
+        </p:nvSpPr>
+        <p:spPr/>
+        <p:txBody>
+          <a:bodyPr/>
+          <a:lstStyle/>
+          <a:p>
+            <a:r>
+              <a:rPr lang="en-US" dirty="0" smtClean="0"/>
+              <a:t>Weekly Report (May 8, 2017)</a:t>
+            </a:r>
+            <a:endParaRPr lang="en-US" dirty="0"/>
+          </a:p>
+        </p:txBody>
+      </p:sp>
+      <p:sp>
+        <p:nvSpPr>
+          <p:cNvPr id="3" name="Content Placeholder 2"/>
+          <p:cNvSpPr>
+            <a:spLocks noGrp="1"/>
+          </p:cNvSpPr>
+          <p:nvPr>
+            <p:ph idx="1"/>
+          </p:nvPr>
+        </p:nvSpPr>
+        <p:spPr>
+          <a:xfrm>
+            <a:off x="457200" y="1447800"/>
+            <a:ext cx="8382000" cy="4800600"/>
+          </a:xfrm>
+        </p:spPr>
+        <p:txBody>
+          <a:bodyPr>
+            <a:normAutofit fontScale="85000" lnSpcReduction="20000"/>
+          </a:bodyPr>
+          <a:lstStyle/>
+          <a:p>
+            <a:r>
+              <a:rPr lang="en-US" dirty="0" smtClean="0"/>
+              <a:t>We have set up a </a:t>
+            </a:r>
+            <a:r>
+              <a:rPr lang="en-US" dirty="0" err="1" smtClean="0"/>
+              <a:t>github</a:t>
+            </a:r>
+            <a:r>
+              <a:rPr lang="en-US" dirty="0" smtClean="0"/>
+              <a:t> repository to keep </a:t>
+            </a:r>
+            <a:r>
+              <a:rPr lang="en-US" dirty="0"/>
+              <a:t>code synced: </a:t>
+            </a:r>
+            <a:r>
+              <a:rPr lang="en-US" sz="2000" i="1" dirty="0"/>
+              <a:t>https://github.com/dtoker/EMDAT_testing</a:t>
+            </a:r>
+            <a:endParaRPr lang="en-US" i="1" dirty="0" smtClean="0"/>
+          </a:p>
+          <a:p>
+            <a:r>
+              <a:rPr lang="en-US" dirty="0" err="1" smtClean="0"/>
+              <a:t>Shunsuke</a:t>
+            </a:r>
+            <a:r>
+              <a:rPr lang="en-US" dirty="0" smtClean="0"/>
+              <a:t> has already identified a medium-sized bug with regard to how angles are computed (affected at least 11 features)</a:t>
+            </a:r>
+          </a:p>
+          <a:p>
+            <a:r>
+              <a:rPr lang="en-US" dirty="0" smtClean="0"/>
+              <a:t>Set up a document to track bugs (see next slide).</a:t>
+            </a:r>
+          </a:p>
+          <a:p>
+            <a:r>
+              <a:rPr lang="en-US" dirty="0" smtClean="0"/>
+              <a:t>Set up workflow for Dereck to push EMDAT fixes and update </a:t>
+            </a:r>
+            <a:r>
+              <a:rPr lang="en-US" dirty="0" err="1" smtClean="0"/>
+              <a:t>github</a:t>
+            </a:r>
+            <a:r>
+              <a:rPr lang="en-US" dirty="0" smtClean="0"/>
+              <a:t> as bugs are found:</a:t>
+            </a:r>
+            <a:r>
+              <a:rPr lang="en-US" sz="2000" i="1" dirty="0" smtClean="0"/>
+              <a:t>                                                 </a:t>
+            </a:r>
+            <a:r>
+              <a:rPr lang="en-US" sz="2000" i="1" dirty="0" smtClean="0">
+                <a:hlinkClick r:id="rId2"/>
+              </a:rPr>
+              <a:t>https</a:t>
+            </a:r>
+            <a:r>
+              <a:rPr lang="en-US" sz="2000" i="1" dirty="0">
+                <a:hlinkClick r:id="rId2"/>
+              </a:rPr>
+              <a:t>://</a:t>
+            </a:r>
+            <a:r>
+              <a:rPr lang="en-US" sz="2000" i="1" dirty="0" smtClean="0">
+                <a:hlinkClick r:id="rId2"/>
+              </a:rPr>
+              <a:t>github.com/ATUAV/EMDAT</a:t>
+            </a:r>
+            <a:endParaRPr lang="en-US" sz="2000" i="1" dirty="0" smtClean="0"/>
+          </a:p>
+          <a:p>
+            <a:r>
+              <a:rPr lang="en-US" sz="3000" dirty="0" err="1" smtClean="0"/>
+              <a:t>Shunsuke</a:t>
+            </a:r>
+            <a:r>
+              <a:rPr lang="en-US" sz="3000" dirty="0" smtClean="0"/>
+              <a:t> currently refactoring part2 test code to handle multi-segment scenes.</a:t>
+            </a:r>
+          </a:p>
+          <a:p>
+            <a:r>
+              <a:rPr lang="en-US" sz="3000" dirty="0" smtClean="0"/>
+              <a:t>Uncovering many nuances to EMDAT….(e.g. path vs saccade)</a:t>
+            </a:r>
+            <a:endParaRPr lang="en-US" sz="3000" dirty="0"/>
+          </a:p>
+          <a:p>
+            <a:endParaRPr lang="en-US" i="1" dirty="0" smtClean="0"/>
+          </a:p>
+        </p:txBody>
+      </p:sp>
+    </p:spTree>
+    <p:extLst>
+      <p:ext uri="{BB962C8B-B14F-4D97-AF65-F5344CB8AC3E}">
+        <p14:creationId xmlns:p14="http://schemas.microsoft.com/office/powerpoint/2010/main" val="2374821557"/>
+      </p:ext>
+    </p:extLst>
+  </p:cSld>
+  <p:clrMapOvr>
+    <a:masterClrMapping/>
+  </p:clrMapOvr>
+</p:sld>
+</file>
+
+<file path=ppt/slides/slide7.xml><?xml version="1.0" encoding="utf-8"?>
+<p:sld xmlns:a="http://schemas.openxmlformats.org/drawingml/2006/main" xmlns:r="http://schemas.openxmlformats.org/officeDocument/2006/relationships" xmlns:p="http://schemas.openxmlformats.org/presentationml/2006/main">
+  <p:cSld>
+    <p:spTree>
+      <p:nvGrpSpPr>
+        <p:cNvPr id="1" name=""/>
+        <p:cNvGrpSpPr/>
+        <p:nvPr/>
+      </p:nvGrpSpPr>
+      <p:grpSpPr>
+        <a:xfrm>
+          <a:off x="0" y="0"/>
+          <a:ext cx="0" cy="0"/>
+          <a:chOff x="0" y="0"/>
+          <a:chExt cx="0" cy="0"/>
+        </a:xfrm>
+      </p:grpSpPr>
+      <p:sp>
+        <p:nvSpPr>
+          <p:cNvPr id="2" name="Title 1"/>
+          <p:cNvSpPr>
+            <a:spLocks noGrp="1"/>
+          </p:cNvSpPr>
+          <p:nvPr>
+            <p:ph type="title"/>
+          </p:nvPr>
+        </p:nvSpPr>
+        <p:spPr/>
+        <p:txBody>
+          <a:bodyPr/>
+          <a:lstStyle/>
+          <a:p>
+            <a:r>
+              <a:rPr lang="en-US" dirty="0" smtClean="0"/>
+              <a:t>Bug Fix Format</a:t>
+            </a:r>
+            <a:endParaRPr lang="en-US" dirty="0"/>
+          </a:p>
+        </p:txBody>
+      </p:sp>
+      <p:pic>
+        <p:nvPicPr>
+          <p:cNvPr id="1026" name="Picture 2"/>
+          <p:cNvPicPr>
+            <a:picLocks noChangeAspect="1" noChangeArrowheads="1"/>
+          </p:cNvPicPr>
+          <p:nvPr/>
+        </p:nvPicPr>
+        <p:blipFill>
+          <a:blip r:embed="rId2">
+            <a:extLst>
+              <a:ext uri="{28A0092B-C50C-407E-A947-70E740481C1C}">
+                <a14:useLocalDpi xmlns:a14="http://schemas.microsoft.com/office/drawing/2010/main" val="0"/>
+              </a:ext>
+            </a:extLst>
+          </a:blip>
+          <a:srcRect/>
+          <a:stretch>
+            <a:fillRect/>
+          </a:stretch>
+        </p:blipFill>
+        <p:spPr bwMode="auto">
+          <a:xfrm>
+            <a:off x="152400" y="1524000"/>
+            <a:ext cx="8818685" cy="1011422"/>
+          </a:xfrm>
+          <a:prstGeom prst="rect">
+            <a:avLst/>
+          </a:prstGeom>
+          <a:noFill/>
+          <a:ln>
+            <a:noFill/>
+          </a:ln>
+          <a:extLst>
+            <a:ext uri="{909E8E84-426E-40DD-AFC4-6F175D3DCCD1}">
+              <a14:hiddenFill xmlns:a14="http://schemas.microsoft.com/office/drawing/2010/main">
+                <a:solidFill>
+                  <a:schemeClr val="accent1"/>
+                </a:solidFill>
+              </a14:hiddenFill>
+            </a:ext>
+            <a:ext uri="{91240B29-F687-4F45-9708-019B960494DF}">
+              <a14:hiddenLine xmlns:a14="http://schemas.microsoft.com/office/drawing/2010/main" w="9525">
+                <a:solidFill>
+                  <a:schemeClr val="tx1"/>
+                </a:solidFill>
+                <a:miter lim="800000"/>
+                <a:headEnd/>
+                <a:tailEnd/>
+              </a14:hiddenLine>
+            </a:ext>
+          </a:extLst>
+        </p:spPr>
+      </p:pic>
+    </p:spTree>
+    <p:extLst>
+      <p:ext uri="{BB962C8B-B14F-4D97-AF65-F5344CB8AC3E}">
+        <p14:creationId xmlns:p14="http://schemas.microsoft.com/office/powerpoint/2010/main" val="1383425082"/>
+      </p:ext>
+    </p:extLst>
+  </p:cSld>
+  <p:clrMapOvr>
+    <a:masterClrMapping/>
+  </p:clrMapOvr>
+</p:sld>
+</file>
+
+<file path=ppt/slides/slide8.xml><?xml version="1.0" encoding="utf-8"?>
+<p:sld xmlns:a="http://schemas.openxmlformats.org/drawingml/2006/main" xmlns:r="http://schemas.openxmlformats.org/officeDocument/2006/relationships" xmlns:p="http://schemas.openxmlformats.org/presentationml/2006/main">
+  <p:cSld>
+    <p:spTree>
+      <p:nvGrpSpPr>
+        <p:cNvPr id="1" name=""/>
+        <p:cNvGrpSpPr/>
+        <p:nvPr/>
+      </p:nvGrpSpPr>
+      <p:grpSpPr>
+        <a:xfrm>
+          <a:off x="0" y="0"/>
+          <a:ext cx="0" cy="0"/>
+          <a:chOff x="0" y="0"/>
+          <a:chExt cx="0" cy="0"/>
+        </a:xfrm>
+      </p:grpSpPr>
+      <p:sp>
+        <p:nvSpPr>
+          <p:cNvPr id="2" name="Title 1"/>
+          <p:cNvSpPr>
+            <a:spLocks noGrp="1"/>
+          </p:cNvSpPr>
+          <p:nvPr>
+            <p:ph type="title"/>
+          </p:nvPr>
+        </p:nvSpPr>
+        <p:spPr/>
+        <p:txBody>
+          <a:bodyPr/>
+          <a:lstStyle/>
+          <a:p>
+            <a:r>
+              <a:rPr lang="en-US" dirty="0" smtClean="0"/>
+              <a:t>Future Work</a:t>
+            </a:r>
+            <a:endParaRPr lang="en-US" dirty="0"/>
+          </a:p>
+        </p:txBody>
+      </p:sp>
+      <p:sp>
+        <p:nvSpPr>
+          <p:cNvPr id="3" name="Content Placeholder 2"/>
+          <p:cNvSpPr>
+            <a:spLocks noGrp="1"/>
+          </p:cNvSpPr>
+          <p:nvPr>
+            <p:ph idx="1"/>
+          </p:nvPr>
+        </p:nvSpPr>
+        <p:spPr/>
+        <p:txBody>
+          <a:bodyPr/>
+          <a:lstStyle/>
+          <a:p>
+            <a:r>
+              <a:rPr lang="en-US" dirty="0" smtClean="0"/>
+              <a:t>There </a:t>
+            </a:r>
+            <a:r>
+              <a:rPr lang="en-US" dirty="0"/>
+              <a:t>are many possible configurations of EMDAT parameters, therefore </a:t>
+            </a:r>
+            <a:r>
+              <a:rPr lang="en-US" dirty="0" smtClean="0"/>
+              <a:t>once this initial set of tests are working, we need to ensure other EMDAT options/configurations also work.</a:t>
+            </a:r>
+          </a:p>
+          <a:p>
+            <a:r>
+              <a:rPr lang="en-US" dirty="0" smtClean="0"/>
+              <a:t>Therefore, the following is a proposal of what work to do once default STEP2 is done (shown on next slide).</a:t>
+            </a:r>
+            <a:endParaRPr lang="en-US" dirty="0"/>
+          </a:p>
+          <a:p>
+            <a:endParaRPr lang="en-US" dirty="0"/>
+          </a:p>
+        </p:txBody>
+      </p:sp>
+    </p:spTree>
+    <p:extLst>
+      <p:ext uri="{BB962C8B-B14F-4D97-AF65-F5344CB8AC3E}">
+        <p14:creationId xmlns:p14="http://schemas.microsoft.com/office/powerpoint/2010/main" val="2985995539"/>
+      </p:ext>
+    </p:extLst>
+  </p:cSld>
+  <p:clrMapOvr>
+    <a:masterClrMapping/>
+  </p:clrMapOvr>
+</p:sld>
+</file>
+
+<file path=ppt/slides/slide9.xml><?xml version="1.0" encoding="utf-8"?>
+<p:sld xmlns:a="http://schemas.openxmlformats.org/drawingml/2006/main" xmlns:r="http://schemas.openxmlformats.org/officeDocument/2006/relationships" xmlns:p="http://schemas.openxmlformats.org/presentationml/2006/main">
+  <p:cSld>
+    <p:spTree>
+      <p:nvGrpSpPr>
+        <p:cNvPr id="1" name=""/>
+        <p:cNvGrpSpPr/>
+        <p:nvPr/>
+      </p:nvGrpSpPr>
+      <p:grpSpPr>
+        <a:xfrm>
+          <a:off x="0" y="0"/>
+          <a:ext cx="0" cy="0"/>
+          <a:chOff x="0" y="0"/>
+          <a:chExt cx="0" cy="0"/>
+        </a:xfrm>
+      </p:grpSpPr>
+      <p:sp>
+        <p:nvSpPr>
+          <p:cNvPr id="2" name="Title 1"/>
+          <p:cNvSpPr>
+            <a:spLocks noGrp="1"/>
+          </p:cNvSpPr>
+          <p:nvPr>
+            <p:ph type="title"/>
+          </p:nvPr>
+        </p:nvSpPr>
+        <p:spPr/>
+        <p:txBody>
+          <a:bodyPr/>
+          <a:lstStyle/>
+          <a:p>
+            <a:r>
+              <a:rPr lang="en-US" dirty="0" smtClean="0"/>
+              <a:t>Future work proposal (in order)</a:t>
+            </a:r>
+            <a:endParaRPr lang="en-US" dirty="0"/>
+          </a:p>
+        </p:txBody>
+      </p:sp>
+      <p:sp>
+        <p:nvSpPr>
+          <p:cNvPr id="3" name="Content Placeholder 2"/>
+          <p:cNvSpPr>
+            <a:spLocks noGrp="1"/>
+          </p:cNvSpPr>
+          <p:nvPr>
+            <p:ph idx="1"/>
+          </p:nvPr>
+        </p:nvSpPr>
+        <p:spPr/>
+        <p:txBody>
+          <a:bodyPr>
+            <a:normAutofit fontScale="85000" lnSpcReduction="20000"/>
+          </a:bodyPr>
+          <a:lstStyle/>
+          <a:p>
+            <a:pPr marL="514350" indent="-514350">
+              <a:buFont typeface="+mj-lt"/>
+              <a:buAutoNum type="arabicPeriod"/>
+            </a:pPr>
+            <a:r>
+              <a:rPr lang="en-US" dirty="0" err="1" smtClean="0"/>
+              <a:t>Eyex</a:t>
+            </a:r>
+            <a:endParaRPr lang="en-US" dirty="0" smtClean="0"/>
+          </a:p>
+          <a:p>
+            <a:pPr marL="514350" indent="-514350">
+              <a:buFont typeface="+mj-lt"/>
+              <a:buAutoNum type="arabicPeriod"/>
+            </a:pPr>
+            <a:r>
+              <a:rPr lang="en-US" dirty="0" smtClean="0"/>
+              <a:t>AOIs</a:t>
+            </a:r>
+          </a:p>
+          <a:p>
+            <a:pPr marL="514350" indent="-514350">
+              <a:buFont typeface="+mj-lt"/>
+              <a:buAutoNum type="arabicPeriod"/>
+            </a:pPr>
+            <a:r>
+              <a:rPr lang="en-US" dirty="0" smtClean="0"/>
+              <a:t>Parameters</a:t>
+            </a:r>
+            <a:endParaRPr lang="en-US" dirty="0" smtClean="0"/>
+          </a:p>
+          <a:p>
+            <a:pPr marL="514350" indent="-514350">
+              <a:buFont typeface="+mj-lt"/>
+              <a:buAutoNum type="arabicPeriod"/>
+            </a:pPr>
+            <a:r>
+              <a:rPr lang="en-US" dirty="0" smtClean="0"/>
+              <a:t>Intervention Study</a:t>
+            </a:r>
+          </a:p>
+          <a:p>
+            <a:pPr marL="514350" indent="-514350">
+              <a:buFont typeface="+mj-lt"/>
+              <a:buAutoNum type="arabicPeriod"/>
+            </a:pPr>
+            <a:r>
+              <a:rPr lang="en-US" dirty="0" smtClean="0"/>
+              <a:t>R-Code Pipeline: Green Good, Red bad, Yellow Almost (rounding)</a:t>
+            </a:r>
+          </a:p>
+          <a:p>
+            <a:pPr marL="514350" indent="-514350">
+              <a:buFont typeface="+mj-lt"/>
+              <a:buAutoNum type="arabicPeriod"/>
+            </a:pPr>
+            <a:r>
+              <a:rPr lang="en-US" dirty="0" smtClean="0"/>
+              <a:t>Maunal.pdf</a:t>
+            </a:r>
+            <a:endParaRPr lang="en-US" dirty="0" smtClean="0"/>
+          </a:p>
+          <a:p>
+            <a:pPr marL="514350" indent="-514350">
+              <a:buFont typeface="+mj-lt"/>
+              <a:buAutoNum type="arabicPeriod"/>
+            </a:pPr>
+            <a:r>
+              <a:rPr lang="en-US" dirty="0"/>
+              <a:t>Dynamic </a:t>
+            </a:r>
+            <a:r>
+              <a:rPr lang="en-US" dirty="0" smtClean="0"/>
+              <a:t>AOIs</a:t>
+            </a:r>
+            <a:endParaRPr lang="en-US" dirty="0" smtClean="0"/>
+          </a:p>
+          <a:p>
+            <a:pPr marL="514350" indent="-514350">
+              <a:buFont typeface="+mj-lt"/>
+              <a:buAutoNum type="arabicPeriod"/>
+            </a:pPr>
+            <a:r>
+              <a:rPr lang="en-US" dirty="0" smtClean="0"/>
+              <a:t>Interface </a:t>
+            </a:r>
+            <a:r>
+              <a:rPr lang="en-US" dirty="0" smtClean="0"/>
+              <a:t>(e.g., </a:t>
+            </a:r>
+            <a:r>
+              <a:rPr lang="en-US" dirty="0" err="1" smtClean="0"/>
+              <a:t>django</a:t>
+            </a:r>
+            <a:r>
+              <a:rPr lang="en-US" dirty="0" smtClean="0"/>
+              <a:t>)</a:t>
+            </a:r>
+          </a:p>
+          <a:p>
+            <a:pPr marL="514350" indent="-514350">
+              <a:buFont typeface="+mj-lt"/>
+              <a:buAutoNum type="arabicPeriod"/>
+            </a:pPr>
+            <a:r>
+              <a:rPr lang="en-US" dirty="0" smtClean="0"/>
+              <a:t>Sac vs. path analysis</a:t>
+            </a:r>
+          </a:p>
+          <a:p>
+            <a:pPr marL="514350" indent="-514350">
+              <a:buFont typeface="+mj-lt"/>
+              <a:buAutoNum type="arabicPeriod"/>
+            </a:pPr>
+            <a:r>
+              <a:rPr lang="en-US" dirty="0" smtClean="0"/>
+              <a:t>New features (sum head distance, head </a:t>
+            </a:r>
+            <a:r>
+              <a:rPr lang="en-US" dirty="0" smtClean="0"/>
+              <a:t>jerk, blinking)</a:t>
+            </a:r>
+            <a:endParaRPr lang="en-US" dirty="0"/>
+          </a:p>
+        </p:txBody>
+      </p:sp>
+    </p:spTree>
+    <p:extLst>
+      <p:ext uri="{BB962C8B-B14F-4D97-AF65-F5344CB8AC3E}">
+        <p14:creationId xmlns:p14="http://schemas.microsoft.com/office/powerpoint/2010/main" val="1104109329"/>
+      </p:ext>
+    </p:extLst>
+  </p:cSld>
+  <p:clrMapOvr>
+    <a:masterClrMapping/>
+  </p:clrMapOvr>
+  <p:timing>
+    <p:tnLst>
+      <p:par>
+        <p:cTn id="1" dur="indefinite" restart="never" nodeType="tmRoot"/>
+      </p:par>
+    </p:tnLst>
+  </p:timing>
 </p:sld>
 </file>
 
